--- a/2023/UNIT_1/WIP/Database.pptx
+++ b/2023/UNIT_1/WIP/Database.pptx
@@ -5,10 +5,10 @@
     <p:sldMasterId id="2147483648" r:id="rId4"/>
   </p:sldMasterIdLst>
   <p:notesMasterIdLst>
-    <p:notesMasterId r:id="rId49"/>
+    <p:notesMasterId r:id="rId58"/>
   </p:notesMasterIdLst>
   <p:handoutMasterIdLst>
-    <p:handoutMasterId r:id="rId50"/>
+    <p:handoutMasterId r:id="rId59"/>
   </p:handoutMasterIdLst>
   <p:sldIdLst>
     <p:sldId id="256" r:id="rId5"/>
@@ -53,8 +53,17 @@
     <p:sldId id="351" r:id="rId44"/>
     <p:sldId id="352" r:id="rId45"/>
     <p:sldId id="353" r:id="rId46"/>
-    <p:sldId id="354" r:id="rId47"/>
-    <p:sldId id="355" r:id="rId48"/>
+    <p:sldId id="358" r:id="rId47"/>
+    <p:sldId id="354" r:id="rId48"/>
+    <p:sldId id="355" r:id="rId49"/>
+    <p:sldId id="356" r:id="rId50"/>
+    <p:sldId id="357" r:id="rId51"/>
+    <p:sldId id="359" r:id="rId52"/>
+    <p:sldId id="360" r:id="rId53"/>
+    <p:sldId id="361" r:id="rId54"/>
+    <p:sldId id="362" r:id="rId55"/>
+    <p:sldId id="363" r:id="rId56"/>
+    <p:sldId id="364" r:id="rId57"/>
   </p:sldIdLst>
   <p:sldSz cx="9144000" cy="6858000" type="screen4x3"/>
   <p:notesSz cx="6858000" cy="9144000"/>
@@ -5667,8 +5676,8 @@
   <dgm:cxnLst>
     <dgm:cxn modelId="{C0EB2131-F41B-4086-89C6-B14D1D917B48}" type="presOf" srcId="{E5E2DF42-C3F6-44F3-A1B5-DA59188D386D}" destId="{405032EB-E303-4D4E-833D-2B0268D7AB15}" srcOrd="0" destOrd="0" presId="urn:microsoft.com/office/officeart/2018/2/layout/IconVerticalSolidList"/>
     <dgm:cxn modelId="{E42F2C39-C1F4-4AF3-A076-A5EE351ECD15}" srcId="{CE4FCEE8-7D99-4186-B203-7CD242CB7F1C}" destId="{E5E2DF42-C3F6-44F3-A1B5-DA59188D386D}" srcOrd="1" destOrd="0" parTransId="{35DADDDF-5D26-4200-87E4-A3F66D118AAC}" sibTransId="{85E13E11-B512-4609-8445-1070DCECC0B7}"/>
+    <dgm:cxn modelId="{957CCB4E-1E33-4602-A0FD-D172275DA486}" srcId="{CE4FCEE8-7D99-4186-B203-7CD242CB7F1C}" destId="{02EF3972-D693-48A8-B7D0-42F94B1108CC}" srcOrd="2" destOrd="0" parTransId="{2AE27687-AAF1-4A2B-8705-53E821C8E088}" sibTransId="{B06A4D21-A84E-4845-AD83-71DD63F5907C}"/>
     <dgm:cxn modelId="{62DDCF66-440E-4375-91A8-7D192178D949}" type="presOf" srcId="{02EF3972-D693-48A8-B7D0-42F94B1108CC}" destId="{E6055327-18DD-4882-90D5-6A38D39A8176}" srcOrd="0" destOrd="0" presId="urn:microsoft.com/office/officeart/2018/2/layout/IconVerticalSolidList"/>
-    <dgm:cxn modelId="{957CCB4E-1E33-4602-A0FD-D172275DA486}" srcId="{CE4FCEE8-7D99-4186-B203-7CD242CB7F1C}" destId="{02EF3972-D693-48A8-B7D0-42F94B1108CC}" srcOrd="2" destOrd="0" parTransId="{2AE27687-AAF1-4A2B-8705-53E821C8E088}" sibTransId="{B06A4D21-A84E-4845-AD83-71DD63F5907C}"/>
     <dgm:cxn modelId="{C28E8386-0D61-4579-99AA-E5E8874552FF}" srcId="{CE4FCEE8-7D99-4186-B203-7CD242CB7F1C}" destId="{DBBDC406-5EB6-4B0A-83AF-BB358CBE0038}" srcOrd="0" destOrd="0" parTransId="{561CBDE0-A73A-46B6-B436-C721A65A6BE3}" sibTransId="{3BF49996-6F7D-4BEC-94BA-669B4B7153A3}"/>
     <dgm:cxn modelId="{6102F69E-3E41-4A4C-A44E-35E34FB58DDE}" type="presOf" srcId="{CE4FCEE8-7D99-4186-B203-7CD242CB7F1C}" destId="{631A1F0D-2D3F-49AB-983C-2C8E1EEECD57}" srcOrd="0" destOrd="0" presId="urn:microsoft.com/office/officeart/2018/2/layout/IconVerticalSolidList"/>
     <dgm:cxn modelId="{C5C034A9-F8E2-488D-B0A3-1B0D239A5F48}" type="presOf" srcId="{DBBDC406-5EB6-4B0A-83AF-BB358CBE0038}" destId="{6E263582-22EB-48D2-AF36-EE8B2F838E93}" srcOrd="0" destOrd="0" presId="urn:microsoft.com/office/officeart/2018/2/layout/IconVerticalSolidList"/>
@@ -6216,8 +6225,8 @@
     <dgm:cxn modelId="{D2419425-9508-4170-B4FD-70E14C9A466D}" type="presOf" srcId="{2D1C73C5-A898-479D-AEC9-DCFC0842F030}" destId="{24434630-13F0-47BD-8F8E-038D5A4CE292}" srcOrd="0" destOrd="0" presId="urn:microsoft.com/office/officeart/2018/2/layout/IconVerticalSolidList"/>
     <dgm:cxn modelId="{C0EB2131-F41B-4086-89C6-B14D1D917B48}" type="presOf" srcId="{E5E2DF42-C3F6-44F3-A1B5-DA59188D386D}" destId="{405032EB-E303-4D4E-833D-2B0268D7AB15}" srcOrd="0" destOrd="0" presId="urn:microsoft.com/office/officeart/2018/2/layout/IconVerticalSolidList"/>
     <dgm:cxn modelId="{E42F2C39-C1F4-4AF3-A076-A5EE351ECD15}" srcId="{CE4FCEE8-7D99-4186-B203-7CD242CB7F1C}" destId="{E5E2DF42-C3F6-44F3-A1B5-DA59188D386D}" srcOrd="1" destOrd="0" parTransId="{35DADDDF-5D26-4200-87E4-A3F66D118AAC}" sibTransId="{85E13E11-B512-4609-8445-1070DCECC0B7}"/>
+    <dgm:cxn modelId="{957CCB4E-1E33-4602-A0FD-D172275DA486}" srcId="{CE4FCEE8-7D99-4186-B203-7CD242CB7F1C}" destId="{02EF3972-D693-48A8-B7D0-42F94B1108CC}" srcOrd="2" destOrd="0" parTransId="{2AE27687-AAF1-4A2B-8705-53E821C8E088}" sibTransId="{B06A4D21-A84E-4845-AD83-71DD63F5907C}"/>
     <dgm:cxn modelId="{62DDCF66-440E-4375-91A8-7D192178D949}" type="presOf" srcId="{02EF3972-D693-48A8-B7D0-42F94B1108CC}" destId="{E6055327-18DD-4882-90D5-6A38D39A8176}" srcOrd="0" destOrd="0" presId="urn:microsoft.com/office/officeart/2018/2/layout/IconVerticalSolidList"/>
-    <dgm:cxn modelId="{957CCB4E-1E33-4602-A0FD-D172275DA486}" srcId="{CE4FCEE8-7D99-4186-B203-7CD242CB7F1C}" destId="{02EF3972-D693-48A8-B7D0-42F94B1108CC}" srcOrd="2" destOrd="0" parTransId="{2AE27687-AAF1-4A2B-8705-53E821C8E088}" sibTransId="{B06A4D21-A84E-4845-AD83-71DD63F5907C}"/>
     <dgm:cxn modelId="{C28E8386-0D61-4579-99AA-E5E8874552FF}" srcId="{CE4FCEE8-7D99-4186-B203-7CD242CB7F1C}" destId="{DBBDC406-5EB6-4B0A-83AF-BB358CBE0038}" srcOrd="0" destOrd="0" parTransId="{561CBDE0-A73A-46B6-B436-C721A65A6BE3}" sibTransId="{3BF49996-6F7D-4BEC-94BA-669B4B7153A3}"/>
     <dgm:cxn modelId="{6102F69E-3E41-4A4C-A44E-35E34FB58DDE}" type="presOf" srcId="{CE4FCEE8-7D99-4186-B203-7CD242CB7F1C}" destId="{631A1F0D-2D3F-49AB-983C-2C8E1EEECD57}" srcOrd="0" destOrd="0" presId="urn:microsoft.com/office/officeart/2018/2/layout/IconVerticalSolidList"/>
     <dgm:cxn modelId="{C5C034A9-F8E2-488D-B0A3-1B0D239A5F48}" type="presOf" srcId="{DBBDC406-5EB6-4B0A-83AF-BB358CBE0038}" destId="{6E263582-22EB-48D2-AF36-EE8B2F838E93}" srcOrd="0" destOrd="0" presId="urn:microsoft.com/office/officeart/2018/2/layout/IconVerticalSolidList"/>
@@ -6864,8 +6873,8 @@
     <dgm:cxn modelId="{B8F8B425-53A9-4311-833A-C54DA832326B}" srcId="{CE4FCEE8-7D99-4186-B203-7CD242CB7F1C}" destId="{6A2E4D2F-6FBA-4635-B2A9-7952F9C87392}" srcOrd="4" destOrd="0" parTransId="{1D84E426-7D06-4964-8025-CE720B036628}" sibTransId="{A9A6BAA9-1172-4421-A901-AA8B27481501}"/>
     <dgm:cxn modelId="{C0EB2131-F41B-4086-89C6-B14D1D917B48}" type="presOf" srcId="{E5E2DF42-C3F6-44F3-A1B5-DA59188D386D}" destId="{405032EB-E303-4D4E-833D-2B0268D7AB15}" srcOrd="0" destOrd="0" presId="urn:microsoft.com/office/officeart/2018/2/layout/IconVerticalSolidList"/>
     <dgm:cxn modelId="{E42F2C39-C1F4-4AF3-A076-A5EE351ECD15}" srcId="{CE4FCEE8-7D99-4186-B203-7CD242CB7F1C}" destId="{E5E2DF42-C3F6-44F3-A1B5-DA59188D386D}" srcOrd="1" destOrd="0" parTransId="{35DADDDF-5D26-4200-87E4-A3F66D118AAC}" sibTransId="{85E13E11-B512-4609-8445-1070DCECC0B7}"/>
+    <dgm:cxn modelId="{957CCB4E-1E33-4602-A0FD-D172275DA486}" srcId="{CE4FCEE8-7D99-4186-B203-7CD242CB7F1C}" destId="{02EF3972-D693-48A8-B7D0-42F94B1108CC}" srcOrd="2" destOrd="0" parTransId="{2AE27687-AAF1-4A2B-8705-53E821C8E088}" sibTransId="{B06A4D21-A84E-4845-AD83-71DD63F5907C}"/>
     <dgm:cxn modelId="{62DDCF66-440E-4375-91A8-7D192178D949}" type="presOf" srcId="{02EF3972-D693-48A8-B7D0-42F94B1108CC}" destId="{E6055327-18DD-4882-90D5-6A38D39A8176}" srcOrd="0" destOrd="0" presId="urn:microsoft.com/office/officeart/2018/2/layout/IconVerticalSolidList"/>
-    <dgm:cxn modelId="{957CCB4E-1E33-4602-A0FD-D172275DA486}" srcId="{CE4FCEE8-7D99-4186-B203-7CD242CB7F1C}" destId="{02EF3972-D693-48A8-B7D0-42F94B1108CC}" srcOrd="2" destOrd="0" parTransId="{2AE27687-AAF1-4A2B-8705-53E821C8E088}" sibTransId="{B06A4D21-A84E-4845-AD83-71DD63F5907C}"/>
     <dgm:cxn modelId="{C28E8386-0D61-4579-99AA-E5E8874552FF}" srcId="{CE4FCEE8-7D99-4186-B203-7CD242CB7F1C}" destId="{DBBDC406-5EB6-4B0A-83AF-BB358CBE0038}" srcOrd="0" destOrd="0" parTransId="{561CBDE0-A73A-46B6-B436-C721A65A6BE3}" sibTransId="{3BF49996-6F7D-4BEC-94BA-669B4B7153A3}"/>
     <dgm:cxn modelId="{6102F69E-3E41-4A4C-A44E-35E34FB58DDE}" type="presOf" srcId="{CE4FCEE8-7D99-4186-B203-7CD242CB7F1C}" destId="{631A1F0D-2D3F-49AB-983C-2C8E1EEECD57}" srcOrd="0" destOrd="0" presId="urn:microsoft.com/office/officeart/2018/2/layout/IconVerticalSolidList"/>
     <dgm:cxn modelId="{C5C034A9-F8E2-488D-B0A3-1B0D239A5F48}" type="presOf" srcId="{DBBDC406-5EB6-4B0A-83AF-BB358CBE0038}" destId="{6E263582-22EB-48D2-AF36-EE8B2F838E93}" srcOrd="0" destOrd="0" presId="urn:microsoft.com/office/officeart/2018/2/layout/IconVerticalSolidList"/>
@@ -16200,7 +16209,7 @@
           </a:lstStyle>
           <a:p>
             <a:fld id="{4C465657-3F36-724B-A332-D448C4527D30}" type="datetimeFigureOut">
-              <a:t>7/14/2023</a:t>
+              <a:t>7/20/23</a:t>
             </a:fld>
             <a:endParaRPr lang="en-US"/>
           </a:p>
@@ -16376,7 +16385,7 @@
           <a:p>
             <a:fld id="{4A73649E-EE4C-4CD8-AB2A-9DCAF85D8C8A}" type="datetimeFigureOut">
               <a:rPr lang="en-US" smtClean="0"/>
-              <a:t>7/14/2023</a:t>
+              <a:t>7/20/23</a:t>
             </a:fld>
             <a:endParaRPr lang="en-US"/>
           </a:p>
@@ -18298,7 +18307,7 @@
           <a:p>
             <a:fld id="{599B2E62-0F00-4529-9BA3-F13F2CE6B353}" type="datetime1">
               <a:rPr lang="en-US" smtClean="0"/>
-              <a:t>7/14/2023</a:t>
+              <a:t>7/20/23</a:t>
             </a:fld>
             <a:endParaRPr lang="en-US" dirty="0"/>
           </a:p>
@@ -32098,6 +32107,273 @@
                 <a:latin typeface="Calibri" panose="020F0502020204030204" pitchFamily="34" charset="0"/>
                 <a:cs typeface="Calibri" panose="020F0502020204030204" pitchFamily="34" charset="0"/>
               </a:rPr>
+              <a:t>Working with MYSQL (XAMPP phpMyAdmin)</a:t>
+            </a:r>
+            <a:endParaRPr lang="en-US" sz="3500" kern="1200" dirty="0">
+              <a:solidFill>
+                <a:schemeClr val="tx1"/>
+              </a:solidFill>
+              <a:effectLst/>
+              <a:latin typeface="Calibri" panose="020F0502020204030204" pitchFamily="34" charset="0"/>
+              <a:cs typeface="Calibri" panose="020F0502020204030204" pitchFamily="34" charset="0"/>
+            </a:endParaRPr>
+          </a:p>
+        </p:txBody>
+      </p:sp>
+      <p:sp>
+        <p:nvSpPr>
+          <p:cNvPr id="11" name="TextBox 10">
+            <a:extLst>
+              <a:ext uri="{FF2B5EF4-FFF2-40B4-BE49-F238E27FC236}">
+                <a16:creationId xmlns:a16="http://schemas.microsoft.com/office/drawing/2014/main" id="{664019EF-799C-6077-48DF-2494651D035F}"/>
+              </a:ext>
+            </a:extLst>
+          </p:cNvPr>
+          <p:cNvSpPr txBox="1"/>
+          <p:nvPr/>
+        </p:nvSpPr>
+        <p:spPr>
+          <a:xfrm>
+            <a:off x="469454" y="1655850"/>
+            <a:ext cx="8202805" cy="767904"/>
+          </a:xfrm>
+          <a:prstGeom prst="rect">
+            <a:avLst/>
+          </a:prstGeom>
+        </p:spPr>
+        <p:txBody>
+          <a:bodyPr vert="horz" lIns="91440" tIns="45720" rIns="91440" bIns="45720" rtlCol="0" anchor="ctr">
+            <a:noAutofit/>
+          </a:bodyPr>
+          <a:lstStyle/>
+          <a:p>
+            <a:pPr marL="0" marR="0" algn="just">
+              <a:lnSpc>
+                <a:spcPts val="1875"/>
+              </a:lnSpc>
+              <a:spcBef>
+                <a:spcPts val="300"/>
+              </a:spcBef>
+              <a:spcAft>
+                <a:spcPts val="800"/>
+              </a:spcAft>
+            </a:pPr>
+            <a:r>
+              <a:rPr lang="en-US" sz="2600" b="1" dirty="0">
+                <a:solidFill>
+                  <a:srgbClr val="000000"/>
+                </a:solidFill>
+                <a:effectLst/>
+                <a:latin typeface="Calibri" panose="020F0502020204030204" pitchFamily="34" charset="0"/>
+                <a:ea typeface="Times New Roman" panose="02020603050405020304" pitchFamily="18" charset="0"/>
+                <a:cs typeface="Calibri" panose="020F0502020204030204" pitchFamily="34" charset="0"/>
+              </a:rPr>
+              <a:t>Drop Databases</a:t>
+            </a:r>
+          </a:p>
+          <a:p>
+            <a:pPr algn="just">
+              <a:lnSpc>
+                <a:spcPts val="1875"/>
+              </a:lnSpc>
+              <a:spcBef>
+                <a:spcPts val="300"/>
+              </a:spcBef>
+              <a:spcAft>
+                <a:spcPts val="800"/>
+              </a:spcAft>
+            </a:pPr>
+            <a:r>
+              <a:rPr lang="en-US" sz="2600" dirty="0">
+                <a:solidFill>
+                  <a:srgbClr val="000000"/>
+                </a:solidFill>
+                <a:effectLst/>
+                <a:latin typeface="Calibri" panose="020F0502020204030204" pitchFamily="34" charset="0"/>
+                <a:ea typeface="Times New Roman" panose="02020603050405020304" pitchFamily="18" charset="0"/>
+                <a:cs typeface="Calibri" panose="020F0502020204030204" pitchFamily="34" charset="0"/>
+              </a:rPr>
+              <a:t>Dropping database means deleting database from MySQL software.</a:t>
+            </a:r>
+            <a:endParaRPr lang="en-US" sz="2600" dirty="0">
+              <a:effectLst/>
+              <a:latin typeface="Calibri" panose="020F0502020204030204" pitchFamily="34" charset="0"/>
+              <a:ea typeface="Calibri" panose="020F0502020204030204" pitchFamily="34" charset="0"/>
+              <a:cs typeface="Calibri" panose="020F0502020204030204" pitchFamily="34" charset="0"/>
+            </a:endParaRPr>
+          </a:p>
+        </p:txBody>
+      </p:sp>
+      <p:pic>
+        <p:nvPicPr>
+          <p:cNvPr id="3" name="Picture 2">
+            <a:extLst>
+              <a:ext uri="{FF2B5EF4-FFF2-40B4-BE49-F238E27FC236}">
+                <a16:creationId xmlns:a16="http://schemas.microsoft.com/office/drawing/2014/main" id="{D2F90E95-FB70-E258-51CA-1F649C03806D}"/>
+              </a:ext>
+            </a:extLst>
+          </p:cNvPr>
+          <p:cNvPicPr>
+            <a:picLocks noChangeAspect="1"/>
+          </p:cNvPicPr>
+          <p:nvPr/>
+        </p:nvPicPr>
+        <p:blipFill>
+          <a:blip r:embed="rId2"/>
+          <a:stretch>
+            <a:fillRect/>
+          </a:stretch>
+        </p:blipFill>
+        <p:spPr>
+          <a:xfrm>
+            <a:off x="1866265" y="2671127"/>
+            <a:ext cx="5100450" cy="3859213"/>
+          </a:xfrm>
+          <a:prstGeom prst="rect">
+            <a:avLst/>
+          </a:prstGeom>
+        </p:spPr>
+      </p:pic>
+    </p:spTree>
+    <p:extLst>
+      <p:ext uri="{BB962C8B-B14F-4D97-AF65-F5344CB8AC3E}">
+        <p14:creationId xmlns:p14="http://schemas.microsoft.com/office/powerpoint/2010/main" val="3465250740"/>
+      </p:ext>
+    </p:extLst>
+  </p:cSld>
+  <p:clrMapOvr>
+    <a:masterClrMapping/>
+  </p:clrMapOvr>
+</p:sld>
+</file>
+
+<file path=ppt/slides/slide44.xml><?xml version="1.0" encoding="utf-8"?>
+<p:sld xmlns:a="http://schemas.openxmlformats.org/drawingml/2006/main" xmlns:r="http://schemas.openxmlformats.org/officeDocument/2006/relationships" xmlns:p="http://schemas.openxmlformats.org/presentationml/2006/main">
+  <p:cSld>
+    <p:bg>
+      <p:bgPr>
+        <a:solidFill>
+          <a:schemeClr val="bg1"/>
+        </a:solidFill>
+        <a:effectLst/>
+      </p:bgPr>
+    </p:bg>
+    <p:spTree>
+      <p:nvGrpSpPr>
+        <p:cNvPr id="1" name=""/>
+        <p:cNvGrpSpPr/>
+        <p:nvPr/>
+      </p:nvGrpSpPr>
+      <p:grpSpPr>
+        <a:xfrm>
+          <a:off x="0" y="0"/>
+          <a:ext cx="0" cy="0"/>
+          <a:chOff x="0" y="0"/>
+          <a:chExt cx="0" cy="0"/>
+        </a:xfrm>
+      </p:grpSpPr>
+      <p:sp useBgFill="1">
+        <p:nvSpPr>
+          <p:cNvPr id="45" name="Rectangle 35">
+            <a:extLst>
+              <a:ext uri="{FF2B5EF4-FFF2-40B4-BE49-F238E27FC236}">
+                <a16:creationId xmlns:a16="http://schemas.microsoft.com/office/drawing/2014/main" id="{1A95671B-3CC6-4792-9114-B74FAEA224E6}"/>
+              </a:ext>
+              <a:ext uri="{C183D7F6-B498-43B3-948B-1728B52AA6E4}">
+                <adec:decorative xmlns:adec="http://schemas.microsoft.com/office/drawing/2017/decorative" val="1"/>
+              </a:ext>
+            </a:extLst>
+          </p:cNvPr>
+          <p:cNvSpPr>
+            <a:spLocks noGrp="1" noRot="1" noChangeAspect="1" noMove="1" noResize="1" noEditPoints="1" noAdjustHandles="1" noChangeArrowheads="1" noChangeShapeType="1" noTextEdit="1"/>
+          </p:cNvSpPr>
+          <p:nvPr>
+            <p:extLst>
+              <p:ext uri="{386F3935-93C4-4BCD-93E2-E3B085C9AB24}">
+                <p16:designElem xmlns:p16="http://schemas.microsoft.com/office/powerpoint/2015/main" val="1"/>
+              </p:ext>
+            </p:extLst>
+          </p:nvPr>
+        </p:nvSpPr>
+        <p:spPr>
+          <a:xfrm>
+            <a:off x="0" y="0"/>
+            <a:ext cx="9141714" cy="6858000"/>
+          </a:xfrm>
+          <a:prstGeom prst="rect">
+            <a:avLst/>
+          </a:prstGeom>
+          <a:ln>
+            <a:noFill/>
+          </a:ln>
+        </p:spPr>
+        <p:style>
+          <a:lnRef idx="2">
+            <a:schemeClr val="accent1">
+              <a:shade val="50000"/>
+            </a:schemeClr>
+          </a:lnRef>
+          <a:fillRef idx="1">
+            <a:schemeClr val="accent1"/>
+          </a:fillRef>
+          <a:effectRef idx="0">
+            <a:schemeClr val="accent1"/>
+          </a:effectRef>
+          <a:fontRef idx="minor">
+            <a:schemeClr val="lt1"/>
+          </a:fontRef>
+        </p:style>
+        <p:txBody>
+          <a:bodyPr rtlCol="0" anchor="ctr"/>
+          <a:lstStyle/>
+          <a:p>
+            <a:pPr algn="ctr"/>
+            <a:endParaRPr lang="en-US"/>
+          </a:p>
+        </p:txBody>
+      </p:sp>
+      <p:sp>
+        <p:nvSpPr>
+          <p:cNvPr id="16" name="Title 15">
+            <a:extLst>
+              <a:ext uri="{FF2B5EF4-FFF2-40B4-BE49-F238E27FC236}">
+                <a16:creationId xmlns:a16="http://schemas.microsoft.com/office/drawing/2014/main" id="{43E2C063-6BAB-962D-FFEF-32271DAB8F2D}"/>
+              </a:ext>
+            </a:extLst>
+          </p:cNvPr>
+          <p:cNvSpPr>
+            <a:spLocks noGrp="1"/>
+          </p:cNvSpPr>
+          <p:nvPr>
+            <p:ph type="title"/>
+          </p:nvPr>
+        </p:nvSpPr>
+        <p:spPr>
+          <a:xfrm>
+            <a:off x="756138" y="174032"/>
+            <a:ext cx="7631723" cy="1111843"/>
+          </a:xfrm>
+        </p:spPr>
+        <p:txBody>
+          <a:bodyPr vert="horz" lIns="91440" tIns="45720" rIns="91440" bIns="45720" rtlCol="0" anchor="ctr">
+            <a:normAutofit/>
+          </a:bodyPr>
+          <a:lstStyle/>
+          <a:p>
+            <a:pPr marL="0" marR="0" algn="ctr" defTabSz="914400">
+              <a:spcAft>
+                <a:spcPts val="800"/>
+              </a:spcAft>
+            </a:pPr>
+            <a:r>
+              <a:rPr lang="en-US" sz="3500" b="1" kern="1200" dirty="0">
+                <a:solidFill>
+                  <a:schemeClr val="tx1"/>
+                </a:solidFill>
+                <a:effectLst/>
+                <a:latin typeface="Calibri" panose="020F0502020204030204" pitchFamily="34" charset="0"/>
+                <a:cs typeface="Calibri" panose="020F0502020204030204" pitchFamily="34" charset="0"/>
+              </a:rPr>
               <a:t>XAMPP - SQL Window</a:t>
             </a:r>
             <a:endParaRPr lang="en-US" sz="3500" kern="1200" dirty="0">
@@ -32210,7 +32486,7 @@
 </p:sld>
 </file>
 
-<file path=ppt/slides/slide44.xml><?xml version="1.0" encoding="utf-8"?>
+<file path=ppt/slides/slide45.xml><?xml version="1.0" encoding="utf-8"?>
 <p:sld xmlns:a="http://schemas.openxmlformats.org/drawingml/2006/main" xmlns:r="http://schemas.openxmlformats.org/officeDocument/2006/relationships" xmlns:p="http://schemas.openxmlformats.org/presentationml/2006/main">
   <p:cSld>
     <p:bg>
@@ -32423,10 +32699,10 @@
       </p:sp>
       <p:pic>
         <p:nvPicPr>
-          <p:cNvPr id="3" name="Picture 2">
+          <p:cNvPr id="4" name="Picture 3">
             <a:extLst>
               <a:ext uri="{FF2B5EF4-FFF2-40B4-BE49-F238E27FC236}">
-                <a16:creationId xmlns:a16="http://schemas.microsoft.com/office/drawing/2014/main" id="{A6A8C256-053B-BB92-3084-9E4E6895ED65}"/>
+                <a16:creationId xmlns:a16="http://schemas.microsoft.com/office/drawing/2014/main" id="{E4F028AC-C74F-D881-20AD-2CFE9C37580E}"/>
               </a:ext>
             </a:extLst>
           </p:cNvPr>
@@ -32443,8 +32719,8 @@
         </p:blipFill>
         <p:spPr>
           <a:xfrm>
-            <a:off x="756138" y="2612377"/>
-            <a:ext cx="7379946" cy="3712223"/>
+            <a:off x="822349" y="2062426"/>
+            <a:ext cx="7497016" cy="3187754"/>
           </a:xfrm>
           <a:prstGeom prst="rect">
             <a:avLst/>
@@ -32455,6 +32731,1529 @@
     <p:extLst>
       <p:ext uri="{BB962C8B-B14F-4D97-AF65-F5344CB8AC3E}">
         <p14:creationId xmlns:p14="http://schemas.microsoft.com/office/powerpoint/2010/main" val="3275810550"/>
+      </p:ext>
+    </p:extLst>
+  </p:cSld>
+  <p:clrMapOvr>
+    <a:masterClrMapping/>
+  </p:clrMapOvr>
+</p:sld>
+</file>
+
+<file path=ppt/slides/slide46.xml><?xml version="1.0" encoding="utf-8"?>
+<p:sld xmlns:a="http://schemas.openxmlformats.org/drawingml/2006/main" xmlns:r="http://schemas.openxmlformats.org/officeDocument/2006/relationships" xmlns:p="http://schemas.openxmlformats.org/presentationml/2006/main">
+  <p:cSld>
+    <p:bg>
+      <p:bgPr>
+        <a:solidFill>
+          <a:schemeClr val="bg1"/>
+        </a:solidFill>
+        <a:effectLst/>
+      </p:bgPr>
+    </p:bg>
+    <p:spTree>
+      <p:nvGrpSpPr>
+        <p:cNvPr id="1" name=""/>
+        <p:cNvGrpSpPr/>
+        <p:nvPr/>
+      </p:nvGrpSpPr>
+      <p:grpSpPr>
+        <a:xfrm>
+          <a:off x="0" y="0"/>
+          <a:ext cx="0" cy="0"/>
+          <a:chOff x="0" y="0"/>
+          <a:chExt cx="0" cy="0"/>
+        </a:xfrm>
+      </p:grpSpPr>
+      <p:sp useBgFill="1">
+        <p:nvSpPr>
+          <p:cNvPr id="45" name="Rectangle 35">
+            <a:extLst>
+              <a:ext uri="{FF2B5EF4-FFF2-40B4-BE49-F238E27FC236}">
+                <a16:creationId xmlns:a16="http://schemas.microsoft.com/office/drawing/2014/main" id="{1A95671B-3CC6-4792-9114-B74FAEA224E6}"/>
+              </a:ext>
+              <a:ext uri="{C183D7F6-B498-43B3-948B-1728B52AA6E4}">
+                <adec:decorative xmlns:adec="http://schemas.microsoft.com/office/drawing/2017/decorative" val="1"/>
+              </a:ext>
+            </a:extLst>
+          </p:cNvPr>
+          <p:cNvSpPr>
+            <a:spLocks noGrp="1" noRot="1" noChangeAspect="1" noMove="1" noResize="1" noEditPoints="1" noAdjustHandles="1" noChangeArrowheads="1" noChangeShapeType="1" noTextEdit="1"/>
+          </p:cNvSpPr>
+          <p:nvPr>
+            <p:extLst>
+              <p:ext uri="{386F3935-93C4-4BCD-93E2-E3B085C9AB24}">
+                <p16:designElem xmlns:p16="http://schemas.microsoft.com/office/powerpoint/2015/main" val="1"/>
+              </p:ext>
+            </p:extLst>
+          </p:nvPr>
+        </p:nvSpPr>
+        <p:spPr>
+          <a:xfrm>
+            <a:off x="0" y="0"/>
+            <a:ext cx="9141714" cy="6858000"/>
+          </a:xfrm>
+          <a:prstGeom prst="rect">
+            <a:avLst/>
+          </a:prstGeom>
+          <a:ln>
+            <a:noFill/>
+          </a:ln>
+        </p:spPr>
+        <p:style>
+          <a:lnRef idx="2">
+            <a:schemeClr val="accent1">
+              <a:shade val="50000"/>
+            </a:schemeClr>
+          </a:lnRef>
+          <a:fillRef idx="1">
+            <a:schemeClr val="accent1"/>
+          </a:fillRef>
+          <a:effectRef idx="0">
+            <a:schemeClr val="accent1"/>
+          </a:effectRef>
+          <a:fontRef idx="minor">
+            <a:schemeClr val="lt1"/>
+          </a:fontRef>
+        </p:style>
+        <p:txBody>
+          <a:bodyPr rtlCol="0" anchor="ctr"/>
+          <a:lstStyle/>
+          <a:p>
+            <a:pPr algn="ctr"/>
+            <a:endParaRPr lang="en-US"/>
+          </a:p>
+        </p:txBody>
+      </p:sp>
+      <p:sp>
+        <p:nvSpPr>
+          <p:cNvPr id="16" name="Title 15">
+            <a:extLst>
+              <a:ext uri="{FF2B5EF4-FFF2-40B4-BE49-F238E27FC236}">
+                <a16:creationId xmlns:a16="http://schemas.microsoft.com/office/drawing/2014/main" id="{43E2C063-6BAB-962D-FFEF-32271DAB8F2D}"/>
+              </a:ext>
+            </a:extLst>
+          </p:cNvPr>
+          <p:cNvSpPr>
+            <a:spLocks noGrp="1"/>
+          </p:cNvSpPr>
+          <p:nvPr>
+            <p:ph type="title"/>
+          </p:nvPr>
+        </p:nvSpPr>
+        <p:spPr>
+          <a:xfrm>
+            <a:off x="756138" y="174032"/>
+            <a:ext cx="7631723" cy="1111843"/>
+          </a:xfrm>
+        </p:spPr>
+        <p:txBody>
+          <a:bodyPr vert="horz" lIns="91440" tIns="45720" rIns="91440" bIns="45720" rtlCol="0" anchor="ctr">
+            <a:normAutofit/>
+          </a:bodyPr>
+          <a:lstStyle/>
+          <a:p>
+            <a:pPr marL="0" marR="0" algn="ctr" defTabSz="914400">
+              <a:spcAft>
+                <a:spcPts val="800"/>
+              </a:spcAft>
+            </a:pPr>
+            <a:r>
+              <a:rPr lang="en-US" sz="3500" b="1" kern="1200" dirty="0">
+                <a:solidFill>
+                  <a:schemeClr val="tx1"/>
+                </a:solidFill>
+                <a:effectLst/>
+                <a:latin typeface="Calibri" panose="020F0502020204030204" pitchFamily="34" charset="0"/>
+                <a:cs typeface="Calibri" panose="020F0502020204030204" pitchFamily="34" charset="0"/>
+              </a:rPr>
+              <a:t>XAMPP - SQL Window</a:t>
+            </a:r>
+            <a:endParaRPr lang="en-US" sz="3500" kern="1200" dirty="0">
+              <a:solidFill>
+                <a:schemeClr val="tx1"/>
+              </a:solidFill>
+              <a:effectLst/>
+              <a:latin typeface="Calibri" panose="020F0502020204030204" pitchFamily="34" charset="0"/>
+              <a:cs typeface="Calibri" panose="020F0502020204030204" pitchFamily="34" charset="0"/>
+            </a:endParaRPr>
+          </a:p>
+        </p:txBody>
+      </p:sp>
+      <p:sp>
+        <p:nvSpPr>
+          <p:cNvPr id="11" name="TextBox 10">
+            <a:extLst>
+              <a:ext uri="{FF2B5EF4-FFF2-40B4-BE49-F238E27FC236}">
+                <a16:creationId xmlns:a16="http://schemas.microsoft.com/office/drawing/2014/main" id="{664019EF-799C-6077-48DF-2494651D035F}"/>
+              </a:ext>
+            </a:extLst>
+          </p:cNvPr>
+          <p:cNvSpPr txBox="1"/>
+          <p:nvPr/>
+        </p:nvSpPr>
+        <p:spPr>
+          <a:xfrm>
+            <a:off x="215467" y="879410"/>
+            <a:ext cx="8253619" cy="1069716"/>
+          </a:xfrm>
+          <a:prstGeom prst="rect">
+            <a:avLst/>
+          </a:prstGeom>
+        </p:spPr>
+        <p:txBody>
+          <a:bodyPr vert="horz" lIns="91440" tIns="45720" rIns="91440" bIns="45720" rtlCol="0" anchor="ctr">
+            <a:noAutofit/>
+          </a:bodyPr>
+          <a:lstStyle/>
+          <a:p>
+            <a:pPr marL="0" marR="0" algn="just">
+              <a:lnSpc>
+                <a:spcPts val="1875"/>
+              </a:lnSpc>
+              <a:spcBef>
+                <a:spcPts val="300"/>
+              </a:spcBef>
+              <a:spcAft>
+                <a:spcPts val="800"/>
+              </a:spcAft>
+            </a:pPr>
+            <a:r>
+              <a:rPr lang="en-US" sz="2600" dirty="0">
+                <a:solidFill>
+                  <a:srgbClr val="000000"/>
+                </a:solidFill>
+                <a:effectLst/>
+                <a:latin typeface="Calibri" panose="020F0502020204030204" pitchFamily="34" charset="0"/>
+                <a:ea typeface="Times New Roman" panose="02020603050405020304" pitchFamily="18" charset="0"/>
+                <a:cs typeface="Calibri" panose="020F0502020204030204" pitchFamily="34" charset="0"/>
+              </a:rPr>
+              <a:t>SQL Statement – Create new database “demo” using SQL command/statement in MySQL</a:t>
+            </a:r>
+          </a:p>
+        </p:txBody>
+      </p:sp>
+      <p:pic>
+        <p:nvPicPr>
+          <p:cNvPr id="2" name="Picture 1">
+            <a:extLst>
+              <a:ext uri="{FF2B5EF4-FFF2-40B4-BE49-F238E27FC236}">
+                <a16:creationId xmlns:a16="http://schemas.microsoft.com/office/drawing/2014/main" id="{DDE5E2DA-BEC2-131C-AD90-48D4CBE2C2F8}"/>
+              </a:ext>
+            </a:extLst>
+          </p:cNvPr>
+          <p:cNvPicPr>
+            <a:picLocks noChangeAspect="1"/>
+          </p:cNvPicPr>
+          <p:nvPr/>
+        </p:nvPicPr>
+        <p:blipFill>
+          <a:blip r:embed="rId2"/>
+          <a:stretch>
+            <a:fillRect/>
+          </a:stretch>
+        </p:blipFill>
+        <p:spPr>
+          <a:xfrm>
+            <a:off x="869632" y="1991253"/>
+            <a:ext cx="7245694" cy="3853287"/>
+          </a:xfrm>
+          <a:prstGeom prst="rect">
+            <a:avLst/>
+          </a:prstGeom>
+        </p:spPr>
+      </p:pic>
+    </p:spTree>
+    <p:extLst>
+      <p:ext uri="{BB962C8B-B14F-4D97-AF65-F5344CB8AC3E}">
+        <p14:creationId xmlns:p14="http://schemas.microsoft.com/office/powerpoint/2010/main" val="809394620"/>
+      </p:ext>
+    </p:extLst>
+  </p:cSld>
+  <p:clrMapOvr>
+    <a:masterClrMapping/>
+  </p:clrMapOvr>
+</p:sld>
+</file>
+
+<file path=ppt/slides/slide47.xml><?xml version="1.0" encoding="utf-8"?>
+<p:sld xmlns:a="http://schemas.openxmlformats.org/drawingml/2006/main" xmlns:r="http://schemas.openxmlformats.org/officeDocument/2006/relationships" xmlns:p="http://schemas.openxmlformats.org/presentationml/2006/main">
+  <p:cSld>
+    <p:bg>
+      <p:bgPr>
+        <a:solidFill>
+          <a:schemeClr val="bg1"/>
+        </a:solidFill>
+        <a:effectLst/>
+      </p:bgPr>
+    </p:bg>
+    <p:spTree>
+      <p:nvGrpSpPr>
+        <p:cNvPr id="1" name=""/>
+        <p:cNvGrpSpPr/>
+        <p:nvPr/>
+      </p:nvGrpSpPr>
+      <p:grpSpPr>
+        <a:xfrm>
+          <a:off x="0" y="0"/>
+          <a:ext cx="0" cy="0"/>
+          <a:chOff x="0" y="0"/>
+          <a:chExt cx="0" cy="0"/>
+        </a:xfrm>
+      </p:grpSpPr>
+      <p:sp useBgFill="1">
+        <p:nvSpPr>
+          <p:cNvPr id="45" name="Rectangle 35">
+            <a:extLst>
+              <a:ext uri="{FF2B5EF4-FFF2-40B4-BE49-F238E27FC236}">
+                <a16:creationId xmlns:a16="http://schemas.microsoft.com/office/drawing/2014/main" id="{1A95671B-3CC6-4792-9114-B74FAEA224E6}"/>
+              </a:ext>
+              <a:ext uri="{C183D7F6-B498-43B3-948B-1728B52AA6E4}">
+                <adec:decorative xmlns:adec="http://schemas.microsoft.com/office/drawing/2017/decorative" val="1"/>
+              </a:ext>
+            </a:extLst>
+          </p:cNvPr>
+          <p:cNvSpPr>
+            <a:spLocks noGrp="1" noRot="1" noChangeAspect="1" noMove="1" noResize="1" noEditPoints="1" noAdjustHandles="1" noChangeArrowheads="1" noChangeShapeType="1" noTextEdit="1"/>
+          </p:cNvSpPr>
+          <p:nvPr>
+            <p:extLst>
+              <p:ext uri="{386F3935-93C4-4BCD-93E2-E3B085C9AB24}">
+                <p16:designElem xmlns:p16="http://schemas.microsoft.com/office/powerpoint/2015/main" val="1"/>
+              </p:ext>
+            </p:extLst>
+          </p:nvPr>
+        </p:nvSpPr>
+        <p:spPr>
+          <a:xfrm>
+            <a:off x="0" y="0"/>
+            <a:ext cx="9141714" cy="6858000"/>
+          </a:xfrm>
+          <a:prstGeom prst="rect">
+            <a:avLst/>
+          </a:prstGeom>
+          <a:ln>
+            <a:noFill/>
+          </a:ln>
+        </p:spPr>
+        <p:style>
+          <a:lnRef idx="2">
+            <a:schemeClr val="accent1">
+              <a:shade val="50000"/>
+            </a:schemeClr>
+          </a:lnRef>
+          <a:fillRef idx="1">
+            <a:schemeClr val="accent1"/>
+          </a:fillRef>
+          <a:effectRef idx="0">
+            <a:schemeClr val="accent1"/>
+          </a:effectRef>
+          <a:fontRef idx="minor">
+            <a:schemeClr val="lt1"/>
+          </a:fontRef>
+        </p:style>
+        <p:txBody>
+          <a:bodyPr rtlCol="0" anchor="ctr"/>
+          <a:lstStyle/>
+          <a:p>
+            <a:pPr algn="ctr"/>
+            <a:endParaRPr lang="en-US"/>
+          </a:p>
+        </p:txBody>
+      </p:sp>
+      <p:sp>
+        <p:nvSpPr>
+          <p:cNvPr id="16" name="Title 15">
+            <a:extLst>
+              <a:ext uri="{FF2B5EF4-FFF2-40B4-BE49-F238E27FC236}">
+                <a16:creationId xmlns:a16="http://schemas.microsoft.com/office/drawing/2014/main" id="{43E2C063-6BAB-962D-FFEF-32271DAB8F2D}"/>
+              </a:ext>
+            </a:extLst>
+          </p:cNvPr>
+          <p:cNvSpPr>
+            <a:spLocks noGrp="1"/>
+          </p:cNvSpPr>
+          <p:nvPr>
+            <p:ph type="title"/>
+          </p:nvPr>
+        </p:nvSpPr>
+        <p:spPr>
+          <a:xfrm>
+            <a:off x="756138" y="174032"/>
+            <a:ext cx="7631723" cy="1111843"/>
+          </a:xfrm>
+        </p:spPr>
+        <p:txBody>
+          <a:bodyPr vert="horz" lIns="91440" tIns="45720" rIns="91440" bIns="45720" rtlCol="0" anchor="ctr">
+            <a:normAutofit/>
+          </a:bodyPr>
+          <a:lstStyle/>
+          <a:p>
+            <a:pPr marL="0" marR="0" algn="ctr" defTabSz="914400">
+              <a:spcAft>
+                <a:spcPts val="800"/>
+              </a:spcAft>
+            </a:pPr>
+            <a:r>
+              <a:rPr lang="en-US" sz="3500" b="1" kern="1200" dirty="0">
+                <a:solidFill>
+                  <a:schemeClr val="tx1"/>
+                </a:solidFill>
+                <a:effectLst/>
+                <a:latin typeface="Calibri" panose="020F0502020204030204" pitchFamily="34" charset="0"/>
+                <a:cs typeface="Calibri" panose="020F0502020204030204" pitchFamily="34" charset="0"/>
+              </a:rPr>
+              <a:t>XAMPP - SQL Window</a:t>
+            </a:r>
+            <a:endParaRPr lang="en-US" sz="3500" kern="1200" dirty="0">
+              <a:solidFill>
+                <a:schemeClr val="tx1"/>
+              </a:solidFill>
+              <a:effectLst/>
+              <a:latin typeface="Calibri" panose="020F0502020204030204" pitchFamily="34" charset="0"/>
+              <a:cs typeface="Calibri" panose="020F0502020204030204" pitchFamily="34" charset="0"/>
+            </a:endParaRPr>
+          </a:p>
+        </p:txBody>
+      </p:sp>
+      <p:sp>
+        <p:nvSpPr>
+          <p:cNvPr id="11" name="TextBox 10">
+            <a:extLst>
+              <a:ext uri="{FF2B5EF4-FFF2-40B4-BE49-F238E27FC236}">
+                <a16:creationId xmlns:a16="http://schemas.microsoft.com/office/drawing/2014/main" id="{664019EF-799C-6077-48DF-2494651D035F}"/>
+              </a:ext>
+            </a:extLst>
+          </p:cNvPr>
+          <p:cNvSpPr txBox="1"/>
+          <p:nvPr/>
+        </p:nvSpPr>
+        <p:spPr>
+          <a:xfrm>
+            <a:off x="215467" y="879410"/>
+            <a:ext cx="8253619" cy="1069716"/>
+          </a:xfrm>
+          <a:prstGeom prst="rect">
+            <a:avLst/>
+          </a:prstGeom>
+        </p:spPr>
+        <p:txBody>
+          <a:bodyPr vert="horz" lIns="91440" tIns="45720" rIns="91440" bIns="45720" rtlCol="0" anchor="ctr">
+            <a:noAutofit/>
+          </a:bodyPr>
+          <a:lstStyle/>
+          <a:p>
+            <a:pPr marL="0" marR="0" algn="just">
+              <a:lnSpc>
+                <a:spcPts val="1875"/>
+              </a:lnSpc>
+              <a:spcBef>
+                <a:spcPts val="300"/>
+              </a:spcBef>
+              <a:spcAft>
+                <a:spcPts val="800"/>
+              </a:spcAft>
+            </a:pPr>
+            <a:r>
+              <a:rPr lang="en-US" sz="2600" dirty="0">
+                <a:solidFill>
+                  <a:srgbClr val="000000"/>
+                </a:solidFill>
+                <a:effectLst/>
+                <a:latin typeface="Calibri" panose="020F0502020204030204" pitchFamily="34" charset="0"/>
+                <a:ea typeface="Times New Roman" panose="02020603050405020304" pitchFamily="18" charset="0"/>
+                <a:cs typeface="Calibri" panose="020F0502020204030204" pitchFamily="34" charset="0"/>
+              </a:rPr>
+              <a:t>SQL Statement – </a:t>
+            </a:r>
+            <a:r>
+              <a:rPr lang="en-US" sz="2600" dirty="0">
+                <a:solidFill>
+                  <a:srgbClr val="000000"/>
+                </a:solidFill>
+                <a:latin typeface="Calibri" panose="020F0502020204030204" pitchFamily="34" charset="0"/>
+                <a:ea typeface="Times New Roman" panose="02020603050405020304" pitchFamily="18" charset="0"/>
+                <a:cs typeface="Calibri" panose="020F0502020204030204" pitchFamily="34" charset="0"/>
+              </a:rPr>
+              <a:t>Select </a:t>
+            </a:r>
+            <a:r>
+              <a:rPr lang="en-US" sz="2600" dirty="0">
+                <a:solidFill>
+                  <a:srgbClr val="000000"/>
+                </a:solidFill>
+                <a:effectLst/>
+                <a:latin typeface="Calibri" panose="020F0502020204030204" pitchFamily="34" charset="0"/>
+                <a:ea typeface="Times New Roman" panose="02020603050405020304" pitchFamily="18" charset="0"/>
+                <a:cs typeface="Calibri" panose="020F0502020204030204" pitchFamily="34" charset="0"/>
+              </a:rPr>
+              <a:t>“demo” database using SQL comman</a:t>
+            </a:r>
+            <a:r>
+              <a:rPr lang="en-US" sz="2600" dirty="0">
+                <a:solidFill>
+                  <a:srgbClr val="000000"/>
+                </a:solidFill>
+                <a:latin typeface="Calibri" panose="020F0502020204030204" pitchFamily="34" charset="0"/>
+                <a:ea typeface="Times New Roman" panose="02020603050405020304" pitchFamily="18" charset="0"/>
+                <a:cs typeface="Calibri" panose="020F0502020204030204" pitchFamily="34" charset="0"/>
+              </a:rPr>
+              <a:t>d/statement </a:t>
+            </a:r>
+            <a:r>
+              <a:rPr lang="en-US" sz="2600" dirty="0">
+                <a:solidFill>
+                  <a:srgbClr val="000000"/>
+                </a:solidFill>
+                <a:effectLst/>
+                <a:latin typeface="Calibri" panose="020F0502020204030204" pitchFamily="34" charset="0"/>
+                <a:ea typeface="Times New Roman" panose="02020603050405020304" pitchFamily="18" charset="0"/>
+                <a:cs typeface="Calibri" panose="020F0502020204030204" pitchFamily="34" charset="0"/>
+              </a:rPr>
+              <a:t>in MySQL</a:t>
+            </a:r>
+          </a:p>
+        </p:txBody>
+      </p:sp>
+    </p:spTree>
+    <p:extLst>
+      <p:ext uri="{BB962C8B-B14F-4D97-AF65-F5344CB8AC3E}">
+        <p14:creationId xmlns:p14="http://schemas.microsoft.com/office/powerpoint/2010/main" val="4039431807"/>
+      </p:ext>
+    </p:extLst>
+  </p:cSld>
+  <p:clrMapOvr>
+    <a:masterClrMapping/>
+  </p:clrMapOvr>
+</p:sld>
+</file>
+
+<file path=ppt/slides/slide48.xml><?xml version="1.0" encoding="utf-8"?>
+<p:sld xmlns:a="http://schemas.openxmlformats.org/drawingml/2006/main" xmlns:r="http://schemas.openxmlformats.org/officeDocument/2006/relationships" xmlns:p="http://schemas.openxmlformats.org/presentationml/2006/main">
+  <p:cSld>
+    <p:bg>
+      <p:bgPr>
+        <a:solidFill>
+          <a:schemeClr val="bg1"/>
+        </a:solidFill>
+        <a:effectLst/>
+      </p:bgPr>
+    </p:bg>
+    <p:spTree>
+      <p:nvGrpSpPr>
+        <p:cNvPr id="1" name=""/>
+        <p:cNvGrpSpPr/>
+        <p:nvPr/>
+      </p:nvGrpSpPr>
+      <p:grpSpPr>
+        <a:xfrm>
+          <a:off x="0" y="0"/>
+          <a:ext cx="0" cy="0"/>
+          <a:chOff x="0" y="0"/>
+          <a:chExt cx="0" cy="0"/>
+        </a:xfrm>
+      </p:grpSpPr>
+      <p:sp useBgFill="1">
+        <p:nvSpPr>
+          <p:cNvPr id="45" name="Rectangle 35">
+            <a:extLst>
+              <a:ext uri="{FF2B5EF4-FFF2-40B4-BE49-F238E27FC236}">
+                <a16:creationId xmlns:a16="http://schemas.microsoft.com/office/drawing/2014/main" id="{1A95671B-3CC6-4792-9114-B74FAEA224E6}"/>
+              </a:ext>
+              <a:ext uri="{C183D7F6-B498-43B3-948B-1728B52AA6E4}">
+                <adec:decorative xmlns:adec="http://schemas.microsoft.com/office/drawing/2017/decorative" val="1"/>
+              </a:ext>
+            </a:extLst>
+          </p:cNvPr>
+          <p:cNvSpPr>
+            <a:spLocks noGrp="1" noRot="1" noChangeAspect="1" noMove="1" noResize="1" noEditPoints="1" noAdjustHandles="1" noChangeArrowheads="1" noChangeShapeType="1" noTextEdit="1"/>
+          </p:cNvSpPr>
+          <p:nvPr>
+            <p:extLst>
+              <p:ext uri="{386F3935-93C4-4BCD-93E2-E3B085C9AB24}">
+                <p16:designElem xmlns:p16="http://schemas.microsoft.com/office/powerpoint/2015/main" val="1"/>
+              </p:ext>
+            </p:extLst>
+          </p:nvPr>
+        </p:nvSpPr>
+        <p:spPr>
+          <a:xfrm>
+            <a:off x="0" y="0"/>
+            <a:ext cx="9141714" cy="6858000"/>
+          </a:xfrm>
+          <a:prstGeom prst="rect">
+            <a:avLst/>
+          </a:prstGeom>
+          <a:ln>
+            <a:noFill/>
+          </a:ln>
+        </p:spPr>
+        <p:style>
+          <a:lnRef idx="2">
+            <a:schemeClr val="accent1">
+              <a:shade val="50000"/>
+            </a:schemeClr>
+          </a:lnRef>
+          <a:fillRef idx="1">
+            <a:schemeClr val="accent1"/>
+          </a:fillRef>
+          <a:effectRef idx="0">
+            <a:schemeClr val="accent1"/>
+          </a:effectRef>
+          <a:fontRef idx="minor">
+            <a:schemeClr val="lt1"/>
+          </a:fontRef>
+        </p:style>
+        <p:txBody>
+          <a:bodyPr rtlCol="0" anchor="ctr"/>
+          <a:lstStyle/>
+          <a:p>
+            <a:pPr algn="ctr"/>
+            <a:endParaRPr lang="en-US"/>
+          </a:p>
+        </p:txBody>
+      </p:sp>
+      <p:sp>
+        <p:nvSpPr>
+          <p:cNvPr id="16" name="Title 15">
+            <a:extLst>
+              <a:ext uri="{FF2B5EF4-FFF2-40B4-BE49-F238E27FC236}">
+                <a16:creationId xmlns:a16="http://schemas.microsoft.com/office/drawing/2014/main" id="{43E2C063-6BAB-962D-FFEF-32271DAB8F2D}"/>
+              </a:ext>
+            </a:extLst>
+          </p:cNvPr>
+          <p:cNvSpPr>
+            <a:spLocks noGrp="1"/>
+          </p:cNvSpPr>
+          <p:nvPr>
+            <p:ph type="title"/>
+          </p:nvPr>
+        </p:nvSpPr>
+        <p:spPr>
+          <a:xfrm>
+            <a:off x="756138" y="174032"/>
+            <a:ext cx="7631723" cy="1111843"/>
+          </a:xfrm>
+        </p:spPr>
+        <p:txBody>
+          <a:bodyPr vert="horz" lIns="91440" tIns="45720" rIns="91440" bIns="45720" rtlCol="0" anchor="ctr">
+            <a:normAutofit/>
+          </a:bodyPr>
+          <a:lstStyle/>
+          <a:p>
+            <a:pPr marL="0" marR="0" algn="ctr" defTabSz="914400">
+              <a:spcAft>
+                <a:spcPts val="800"/>
+              </a:spcAft>
+            </a:pPr>
+            <a:r>
+              <a:rPr lang="en-US" sz="3500" b="1" kern="1200" dirty="0">
+                <a:solidFill>
+                  <a:schemeClr val="tx1"/>
+                </a:solidFill>
+                <a:effectLst/>
+                <a:latin typeface="Calibri" panose="020F0502020204030204" pitchFamily="34" charset="0"/>
+                <a:cs typeface="Calibri" panose="020F0502020204030204" pitchFamily="34" charset="0"/>
+              </a:rPr>
+              <a:t>XAMPP - SQL Window</a:t>
+            </a:r>
+            <a:endParaRPr lang="en-US" sz="3500" kern="1200" dirty="0">
+              <a:solidFill>
+                <a:schemeClr val="tx1"/>
+              </a:solidFill>
+              <a:effectLst/>
+              <a:latin typeface="Calibri" panose="020F0502020204030204" pitchFamily="34" charset="0"/>
+              <a:cs typeface="Calibri" panose="020F0502020204030204" pitchFamily="34" charset="0"/>
+            </a:endParaRPr>
+          </a:p>
+        </p:txBody>
+      </p:sp>
+      <p:sp>
+        <p:nvSpPr>
+          <p:cNvPr id="11" name="TextBox 10">
+            <a:extLst>
+              <a:ext uri="{FF2B5EF4-FFF2-40B4-BE49-F238E27FC236}">
+                <a16:creationId xmlns:a16="http://schemas.microsoft.com/office/drawing/2014/main" id="{664019EF-799C-6077-48DF-2494651D035F}"/>
+              </a:ext>
+            </a:extLst>
+          </p:cNvPr>
+          <p:cNvSpPr txBox="1"/>
+          <p:nvPr/>
+        </p:nvSpPr>
+        <p:spPr>
+          <a:xfrm>
+            <a:off x="215467" y="879410"/>
+            <a:ext cx="8253619" cy="1069716"/>
+          </a:xfrm>
+          <a:prstGeom prst="rect">
+            <a:avLst/>
+          </a:prstGeom>
+        </p:spPr>
+        <p:txBody>
+          <a:bodyPr vert="horz" lIns="91440" tIns="45720" rIns="91440" bIns="45720" rtlCol="0" anchor="ctr">
+            <a:noAutofit/>
+          </a:bodyPr>
+          <a:lstStyle/>
+          <a:p>
+            <a:pPr marL="0" marR="0" algn="just">
+              <a:lnSpc>
+                <a:spcPts val="1875"/>
+              </a:lnSpc>
+              <a:spcBef>
+                <a:spcPts val="300"/>
+              </a:spcBef>
+              <a:spcAft>
+                <a:spcPts val="800"/>
+              </a:spcAft>
+            </a:pPr>
+            <a:r>
+              <a:rPr lang="en-US" sz="2600" dirty="0">
+                <a:solidFill>
+                  <a:srgbClr val="000000"/>
+                </a:solidFill>
+                <a:effectLst/>
+                <a:latin typeface="Calibri" panose="020F0502020204030204" pitchFamily="34" charset="0"/>
+                <a:ea typeface="Times New Roman" panose="02020603050405020304" pitchFamily="18" charset="0"/>
+                <a:cs typeface="Calibri" panose="020F0502020204030204" pitchFamily="34" charset="0"/>
+              </a:rPr>
+              <a:t>SQL Statement – Delete/Drop “demo” database usin</a:t>
+            </a:r>
+            <a:r>
+              <a:rPr lang="en-US" sz="2600" dirty="0">
+                <a:solidFill>
+                  <a:srgbClr val="000000"/>
+                </a:solidFill>
+                <a:latin typeface="Calibri" panose="020F0502020204030204" pitchFamily="34" charset="0"/>
+                <a:ea typeface="Times New Roman" panose="02020603050405020304" pitchFamily="18" charset="0"/>
+                <a:cs typeface="Calibri" panose="020F0502020204030204" pitchFamily="34" charset="0"/>
+              </a:rPr>
+              <a:t>g SQL command in MySQL</a:t>
+            </a:r>
+            <a:endParaRPr lang="en-US" sz="2600" dirty="0">
+              <a:solidFill>
+                <a:srgbClr val="000000"/>
+              </a:solidFill>
+              <a:effectLst/>
+              <a:latin typeface="Calibri" panose="020F0502020204030204" pitchFamily="34" charset="0"/>
+              <a:ea typeface="Times New Roman" panose="02020603050405020304" pitchFamily="18" charset="0"/>
+              <a:cs typeface="Calibri" panose="020F0502020204030204" pitchFamily="34" charset="0"/>
+            </a:endParaRPr>
+          </a:p>
+        </p:txBody>
+      </p:sp>
+      <p:pic>
+        <p:nvPicPr>
+          <p:cNvPr id="2" name="Picture 1">
+            <a:extLst>
+              <a:ext uri="{FF2B5EF4-FFF2-40B4-BE49-F238E27FC236}">
+                <a16:creationId xmlns:a16="http://schemas.microsoft.com/office/drawing/2014/main" id="{DDE5E2DA-BEC2-131C-AD90-48D4CBE2C2F8}"/>
+              </a:ext>
+            </a:extLst>
+          </p:cNvPr>
+          <p:cNvPicPr>
+            <a:picLocks noChangeAspect="1"/>
+          </p:cNvPicPr>
+          <p:nvPr/>
+        </p:nvPicPr>
+        <p:blipFill>
+          <a:blip r:embed="rId2"/>
+          <a:stretch>
+            <a:fillRect/>
+          </a:stretch>
+        </p:blipFill>
+        <p:spPr>
+          <a:xfrm>
+            <a:off x="869632" y="1991253"/>
+            <a:ext cx="7245694" cy="3853287"/>
+          </a:xfrm>
+          <a:prstGeom prst="rect">
+            <a:avLst/>
+          </a:prstGeom>
+        </p:spPr>
+      </p:pic>
+    </p:spTree>
+    <p:extLst>
+      <p:ext uri="{BB962C8B-B14F-4D97-AF65-F5344CB8AC3E}">
+        <p14:creationId xmlns:p14="http://schemas.microsoft.com/office/powerpoint/2010/main" val="2878414912"/>
+      </p:ext>
+    </p:extLst>
+  </p:cSld>
+  <p:clrMapOvr>
+    <a:masterClrMapping/>
+  </p:clrMapOvr>
+</p:sld>
+</file>
+
+<file path=ppt/slides/slide49.xml><?xml version="1.0" encoding="utf-8"?>
+<p:sld xmlns:a="http://schemas.openxmlformats.org/drawingml/2006/main" xmlns:r="http://schemas.openxmlformats.org/officeDocument/2006/relationships" xmlns:p="http://schemas.openxmlformats.org/presentationml/2006/main">
+  <p:cSld>
+    <p:bg>
+      <p:bgPr>
+        <a:solidFill>
+          <a:schemeClr val="bg1"/>
+        </a:solidFill>
+        <a:effectLst/>
+      </p:bgPr>
+    </p:bg>
+    <p:spTree>
+      <p:nvGrpSpPr>
+        <p:cNvPr id="1" name=""/>
+        <p:cNvGrpSpPr/>
+        <p:nvPr/>
+      </p:nvGrpSpPr>
+      <p:grpSpPr>
+        <a:xfrm>
+          <a:off x="0" y="0"/>
+          <a:ext cx="0" cy="0"/>
+          <a:chOff x="0" y="0"/>
+          <a:chExt cx="0" cy="0"/>
+        </a:xfrm>
+      </p:grpSpPr>
+      <p:sp useBgFill="1">
+        <p:nvSpPr>
+          <p:cNvPr id="9" name="Rectangle 8">
+            <a:extLst>
+              <a:ext uri="{FF2B5EF4-FFF2-40B4-BE49-F238E27FC236}">
+                <a16:creationId xmlns:a16="http://schemas.microsoft.com/office/drawing/2014/main" id="{09588DA8-065E-4F6F-8EFD-43104AB2E0CF}"/>
+              </a:ext>
+              <a:ext uri="{C183D7F6-B498-43B3-948B-1728B52AA6E4}">
+                <adec:decorative xmlns:adec="http://schemas.microsoft.com/office/drawing/2017/decorative" val="1"/>
+              </a:ext>
+            </a:extLst>
+          </p:cNvPr>
+          <p:cNvSpPr>
+            <a:spLocks noGrp="1" noRot="1" noChangeAspect="1" noMove="1" noResize="1" noEditPoints="1" noAdjustHandles="1" noChangeArrowheads="1" noChangeShapeType="1" noTextEdit="1"/>
+          </p:cNvSpPr>
+          <p:nvPr>
+            <p:extLst>
+              <p:ext uri="{386F3935-93C4-4BCD-93E2-E3B085C9AB24}">
+                <p16:designElem xmlns:p16="http://schemas.microsoft.com/office/powerpoint/2015/main" val="1"/>
+              </p:ext>
+            </p:extLst>
+          </p:nvPr>
+        </p:nvSpPr>
+        <p:spPr>
+          <a:xfrm>
+            <a:off x="0" y="0"/>
+            <a:ext cx="9144000" cy="6858000"/>
+          </a:xfrm>
+          <a:prstGeom prst="rect">
+            <a:avLst/>
+          </a:prstGeom>
+          <a:ln w="12700" cap="flat" cmpd="sng" algn="ctr">
+            <a:noFill/>
+            <a:prstDash val="solid"/>
+            <a:miter lim="800000"/>
+          </a:ln>
+          <a:effectLst/>
+          <a:extLst>
+            <a:ext uri="{91240B29-F687-4F45-9708-019B960494DF}">
+              <a14:hiddenLine xmlns:a14="http://schemas.microsoft.com/office/drawing/2010/main" w="12700" cap="flat" cmpd="sng" algn="ctr">
+                <a:solidFill>
+                  <a:schemeClr val="accent1">
+                    <a:shade val="50000"/>
+                  </a:schemeClr>
+                </a:solidFill>
+                <a:prstDash val="solid"/>
+                <a:miter lim="800000"/>
+              </a14:hiddenLine>
+            </a:ext>
+          </a:extLst>
+        </p:spPr>
+        <p:style>
+          <a:lnRef idx="2">
+            <a:schemeClr val="accent1">
+              <a:shade val="50000"/>
+            </a:schemeClr>
+          </a:lnRef>
+          <a:fillRef idx="1">
+            <a:schemeClr val="accent1"/>
+          </a:fillRef>
+          <a:effectRef idx="0">
+            <a:schemeClr val="accent1"/>
+          </a:effectRef>
+          <a:fontRef idx="minor">
+            <a:schemeClr val="lt1"/>
+          </a:fontRef>
+        </p:style>
+        <p:txBody>
+          <a:bodyPr rtlCol="0" anchor="ctr"/>
+          <a:lstStyle/>
+          <a:p>
+            <a:pPr algn="ctr"/>
+            <a:endParaRPr lang="en-US"/>
+          </a:p>
+        </p:txBody>
+      </p:sp>
+      <p:sp useBgFill="1">
+        <p:nvSpPr>
+          <p:cNvPr id="11" name="Rectangle 10">
+            <a:extLst>
+              <a:ext uri="{FF2B5EF4-FFF2-40B4-BE49-F238E27FC236}">
+                <a16:creationId xmlns:a16="http://schemas.microsoft.com/office/drawing/2014/main" id="{C4285719-470E-454C-AF62-8323075F1F5B}"/>
+              </a:ext>
+              <a:ext uri="{C183D7F6-B498-43B3-948B-1728B52AA6E4}">
+                <adec:decorative xmlns:adec="http://schemas.microsoft.com/office/drawing/2017/decorative" val="1"/>
+              </a:ext>
+            </a:extLst>
+          </p:cNvPr>
+          <p:cNvSpPr>
+            <a:spLocks noGrp="1" noRot="1" noChangeAspect="1" noMove="1" noResize="1" noEditPoints="1" noAdjustHandles="1" noChangeArrowheads="1" noChangeShapeType="1" noTextEdit="1"/>
+          </p:cNvSpPr>
+          <p:nvPr>
+            <p:extLst>
+              <p:ext uri="{386F3935-93C4-4BCD-93E2-E3B085C9AB24}">
+                <p16:designElem xmlns:p16="http://schemas.microsoft.com/office/powerpoint/2015/main" val="1"/>
+              </p:ext>
+            </p:extLst>
+          </p:nvPr>
+        </p:nvSpPr>
+        <p:spPr>
+          <a:xfrm>
+            <a:off x="0" y="0"/>
+            <a:ext cx="9141714" cy="6858000"/>
+          </a:xfrm>
+          <a:prstGeom prst="rect">
+            <a:avLst/>
+          </a:prstGeom>
+          <a:ln w="12700" cap="flat" cmpd="sng" algn="ctr">
+            <a:noFill/>
+            <a:prstDash val="solid"/>
+            <a:miter lim="800000"/>
+          </a:ln>
+          <a:effectLst/>
+          <a:extLst>
+            <a:ext uri="{91240B29-F687-4F45-9708-019B960494DF}">
+              <a14:hiddenLine xmlns:a14="http://schemas.microsoft.com/office/drawing/2010/main" w="12700" cap="flat" cmpd="sng" algn="ctr">
+                <a:solidFill>
+                  <a:schemeClr val="accent1">
+                    <a:shade val="50000"/>
+                  </a:schemeClr>
+                </a:solidFill>
+                <a:prstDash val="solid"/>
+                <a:miter lim="800000"/>
+              </a14:hiddenLine>
+            </a:ext>
+          </a:extLst>
+        </p:spPr>
+        <p:style>
+          <a:lnRef idx="2">
+            <a:schemeClr val="accent1">
+              <a:shade val="50000"/>
+            </a:schemeClr>
+          </a:lnRef>
+          <a:fillRef idx="1">
+            <a:schemeClr val="accent1"/>
+          </a:fillRef>
+          <a:effectRef idx="0">
+            <a:schemeClr val="accent1"/>
+          </a:effectRef>
+          <a:fontRef idx="minor">
+            <a:schemeClr val="lt1"/>
+          </a:fontRef>
+        </p:style>
+        <p:txBody>
+          <a:bodyPr rtlCol="0" anchor="ctr"/>
+          <a:lstStyle/>
+          <a:p>
+            <a:pPr algn="ctr"/>
+            <a:endParaRPr lang="en-US"/>
+          </a:p>
+        </p:txBody>
+      </p:sp>
+      <p:sp>
+        <p:nvSpPr>
+          <p:cNvPr id="13" name="Rectangle 12">
+            <a:extLst>
+              <a:ext uri="{FF2B5EF4-FFF2-40B4-BE49-F238E27FC236}">
+                <a16:creationId xmlns:a16="http://schemas.microsoft.com/office/drawing/2014/main" id="{CD9FE4EF-C4D8-49A0-B2FF-81D8DB7D8A24}"/>
+              </a:ext>
+              <a:ext uri="{C183D7F6-B498-43B3-948B-1728B52AA6E4}">
+                <adec:decorative xmlns:adec="http://schemas.microsoft.com/office/drawing/2017/decorative" val="1"/>
+              </a:ext>
+            </a:extLst>
+          </p:cNvPr>
+          <p:cNvSpPr>
+            <a:spLocks noGrp="1" noRot="1" noChangeAspect="1" noMove="1" noResize="1" noEditPoints="1" noAdjustHandles="1" noChangeArrowheads="1" noChangeShapeType="1" noTextEdit="1"/>
+          </p:cNvSpPr>
+          <p:nvPr>
+            <p:extLst>
+              <p:ext uri="{386F3935-93C4-4BCD-93E2-E3B085C9AB24}">
+                <p16:designElem xmlns:p16="http://schemas.microsoft.com/office/powerpoint/2015/main" val="1"/>
+              </p:ext>
+            </p:extLst>
+          </p:nvPr>
+        </p:nvSpPr>
+        <p:spPr>
+          <a:xfrm rot="5400000" flipH="1">
+            <a:off x="-1914813" y="1914812"/>
+            <a:ext cx="6858000" cy="3028377"/>
+          </a:xfrm>
+          <a:prstGeom prst="rect">
+            <a:avLst/>
+          </a:prstGeom>
+          <a:gradFill>
+            <a:gsLst>
+              <a:gs pos="8000">
+                <a:srgbClr val="000000"/>
+              </a:gs>
+              <a:gs pos="100000">
+                <a:schemeClr val="accent1">
+                  <a:lumMod val="75000"/>
+                </a:schemeClr>
+              </a:gs>
+            </a:gsLst>
+            <a:lin ang="3000000" scaled="0"/>
+          </a:gradFill>
+          <a:ln>
+            <a:noFill/>
+          </a:ln>
+        </p:spPr>
+        <p:style>
+          <a:lnRef idx="2">
+            <a:schemeClr val="accent1">
+              <a:shade val="50000"/>
+            </a:schemeClr>
+          </a:lnRef>
+          <a:fillRef idx="1">
+            <a:schemeClr val="accent1"/>
+          </a:fillRef>
+          <a:effectRef idx="0">
+            <a:schemeClr val="accent1"/>
+          </a:effectRef>
+          <a:fontRef idx="minor">
+            <a:schemeClr val="lt1"/>
+          </a:fontRef>
+        </p:style>
+        <p:txBody>
+          <a:bodyPr rtlCol="0" anchor="ctr"/>
+          <a:lstStyle/>
+          <a:p>
+            <a:pPr algn="ctr"/>
+            <a:endParaRPr lang="en-US"/>
+          </a:p>
+        </p:txBody>
+      </p:sp>
+      <p:sp>
+        <p:nvSpPr>
+          <p:cNvPr id="15" name="Rectangle 14">
+            <a:extLst>
+              <a:ext uri="{FF2B5EF4-FFF2-40B4-BE49-F238E27FC236}">
+                <a16:creationId xmlns:a16="http://schemas.microsoft.com/office/drawing/2014/main" id="{4300840D-0A0B-4512-BACA-B439D5B9C57C}"/>
+              </a:ext>
+              <a:ext uri="{C183D7F6-B498-43B3-948B-1728B52AA6E4}">
+                <adec:decorative xmlns:adec="http://schemas.microsoft.com/office/drawing/2017/decorative" val="1"/>
+              </a:ext>
+            </a:extLst>
+          </p:cNvPr>
+          <p:cNvSpPr>
+            <a:spLocks noGrp="1" noRot="1" noChangeAspect="1" noMove="1" noResize="1" noEditPoints="1" noAdjustHandles="1" noChangeArrowheads="1" noChangeShapeType="1" noTextEdit="1"/>
+          </p:cNvSpPr>
+          <p:nvPr>
+            <p:extLst>
+              <p:ext uri="{386F3935-93C4-4BCD-93E2-E3B085C9AB24}">
+                <p16:designElem xmlns:p16="http://schemas.microsoft.com/office/powerpoint/2015/main" val="1"/>
+              </p:ext>
+            </p:extLst>
+          </p:nvPr>
+        </p:nvSpPr>
+        <p:spPr>
+          <a:xfrm rot="5400000" flipH="1">
+            <a:off x="-1914814" y="1924949"/>
+            <a:ext cx="6857999" cy="3028379"/>
+          </a:xfrm>
+          <a:prstGeom prst="rect">
+            <a:avLst/>
+          </a:prstGeom>
+          <a:gradFill>
+            <a:gsLst>
+              <a:gs pos="0">
+                <a:srgbClr val="000000">
+                  <a:alpha val="0"/>
+                </a:srgbClr>
+              </a:gs>
+              <a:gs pos="99000">
+                <a:schemeClr val="accent1">
+                  <a:alpha val="46000"/>
+                </a:schemeClr>
+              </a:gs>
+            </a:gsLst>
+            <a:lin ang="1800000" scaled="0"/>
+          </a:gradFill>
+          <a:ln>
+            <a:noFill/>
+          </a:ln>
+        </p:spPr>
+        <p:style>
+          <a:lnRef idx="2">
+            <a:schemeClr val="accent1">
+              <a:shade val="50000"/>
+            </a:schemeClr>
+          </a:lnRef>
+          <a:fillRef idx="1">
+            <a:schemeClr val="accent1"/>
+          </a:fillRef>
+          <a:effectRef idx="0">
+            <a:schemeClr val="accent1"/>
+          </a:effectRef>
+          <a:fontRef idx="minor">
+            <a:schemeClr val="lt1"/>
+          </a:fontRef>
+        </p:style>
+        <p:txBody>
+          <a:bodyPr rtlCol="0" anchor="ctr"/>
+          <a:lstStyle/>
+          <a:p>
+            <a:pPr algn="ctr"/>
+            <a:endParaRPr lang="en-US"/>
+          </a:p>
+        </p:txBody>
+      </p:sp>
+      <p:sp>
+        <p:nvSpPr>
+          <p:cNvPr id="17" name="Rectangle 16">
+            <a:extLst>
+              <a:ext uri="{FF2B5EF4-FFF2-40B4-BE49-F238E27FC236}">
+                <a16:creationId xmlns:a16="http://schemas.microsoft.com/office/drawing/2014/main" id="{D2B78728-A580-49A7-84F9-6EF6F583ADE0}"/>
+              </a:ext>
+              <a:ext uri="{C183D7F6-B498-43B3-948B-1728B52AA6E4}">
+                <adec:decorative xmlns:adec="http://schemas.microsoft.com/office/drawing/2017/decorative" val="1"/>
+              </a:ext>
+            </a:extLst>
+          </p:cNvPr>
+          <p:cNvSpPr>
+            <a:spLocks noGrp="1" noRot="1" noChangeAspect="1" noMove="1" noResize="1" noEditPoints="1" noAdjustHandles="1" noChangeArrowheads="1" noChangeShapeType="1" noTextEdit="1"/>
+          </p:cNvSpPr>
+          <p:nvPr>
+            <p:extLst>
+              <p:ext uri="{386F3935-93C4-4BCD-93E2-E3B085C9AB24}">
+                <p16:designElem xmlns:p16="http://schemas.microsoft.com/office/powerpoint/2015/main" val="1"/>
+              </p:ext>
+            </p:extLst>
+          </p:nvPr>
+        </p:nvSpPr>
+        <p:spPr>
+          <a:xfrm rot="5400000" flipH="1">
+            <a:off x="263195" y="4092815"/>
+            <a:ext cx="2501979" cy="3028381"/>
+          </a:xfrm>
+          <a:prstGeom prst="rect">
+            <a:avLst/>
+          </a:prstGeom>
+          <a:gradFill>
+            <a:gsLst>
+              <a:gs pos="2000">
+                <a:schemeClr val="accent1">
+                  <a:alpha val="29000"/>
+                </a:schemeClr>
+              </a:gs>
+              <a:gs pos="100000">
+                <a:srgbClr val="000000">
+                  <a:alpha val="30000"/>
+                </a:srgbClr>
+              </a:gs>
+            </a:gsLst>
+            <a:lin ang="7800000" scaled="0"/>
+          </a:gradFill>
+          <a:ln>
+            <a:noFill/>
+          </a:ln>
+        </p:spPr>
+        <p:style>
+          <a:lnRef idx="2">
+            <a:schemeClr val="accent1">
+              <a:shade val="50000"/>
+            </a:schemeClr>
+          </a:lnRef>
+          <a:fillRef idx="1">
+            <a:schemeClr val="accent1"/>
+          </a:fillRef>
+          <a:effectRef idx="0">
+            <a:schemeClr val="accent1"/>
+          </a:effectRef>
+          <a:fontRef idx="minor">
+            <a:schemeClr val="lt1"/>
+          </a:fontRef>
+        </p:style>
+        <p:txBody>
+          <a:bodyPr rtlCol="0" anchor="ctr"/>
+          <a:lstStyle/>
+          <a:p>
+            <a:pPr algn="ctr"/>
+            <a:endParaRPr lang="en-US" dirty="0"/>
+          </a:p>
+        </p:txBody>
+      </p:sp>
+      <p:sp>
+        <p:nvSpPr>
+          <p:cNvPr id="19" name="Freeform: Shape 18">
+            <a:extLst>
+              <a:ext uri="{FF2B5EF4-FFF2-40B4-BE49-F238E27FC236}">
+                <a16:creationId xmlns:a16="http://schemas.microsoft.com/office/drawing/2014/main" id="{38FAA1A1-D861-433F-88FA-1E9D6FD31D11}"/>
+              </a:ext>
+              <a:ext uri="{C183D7F6-B498-43B3-948B-1728B52AA6E4}">
+                <adec:decorative xmlns:adec="http://schemas.microsoft.com/office/drawing/2017/decorative" val="1"/>
+              </a:ext>
+            </a:extLst>
+          </p:cNvPr>
+          <p:cNvSpPr>
+            <a:spLocks noGrp="1" noRot="1" noChangeAspect="1" noMove="1" noResize="1" noEditPoints="1" noAdjustHandles="1" noChangeArrowheads="1" noChangeShapeType="1" noTextEdit="1"/>
+          </p:cNvSpPr>
+          <p:nvPr>
+            <p:extLst>
+              <p:ext uri="{386F3935-93C4-4BCD-93E2-E3B085C9AB24}">
+                <p16:designElem xmlns:p16="http://schemas.microsoft.com/office/powerpoint/2015/main" val="1"/>
+              </p:ext>
+            </p:extLst>
+          </p:nvPr>
+        </p:nvSpPr>
+        <p:spPr>
+          <a:xfrm rot="20635413">
+            <a:off x="-376302" y="969718"/>
+            <a:ext cx="2925267" cy="4178958"/>
+          </a:xfrm>
+          <a:custGeom>
+            <a:avLst/>
+            <a:gdLst>
+              <a:gd name="connsiteX0" fmla="*/ 2432225 w 3900357"/>
+              <a:gd name="connsiteY0" fmla="*/ 93939 h 4178958"/>
+              <a:gd name="connsiteX1" fmla="*/ 3900357 w 3900357"/>
+              <a:gd name="connsiteY1" fmla="*/ 2089479 h 4178958"/>
+              <a:gd name="connsiteX2" fmla="*/ 1810878 w 3900357"/>
+              <a:gd name="connsiteY2" fmla="*/ 4178958 h 4178958"/>
+              <a:gd name="connsiteX3" fmla="*/ 78249 w 3900357"/>
+              <a:gd name="connsiteY3" fmla="*/ 3257727 h 4178958"/>
+              <a:gd name="connsiteX4" fmla="*/ 0 w 3900357"/>
+              <a:gd name="connsiteY4" fmla="*/ 3128923 h 4178958"/>
+              <a:gd name="connsiteX5" fmla="*/ 831324 w 3900357"/>
+              <a:gd name="connsiteY5" fmla="*/ 244281 h 4178958"/>
+              <a:gd name="connsiteX6" fmla="*/ 997559 w 3900357"/>
+              <a:gd name="connsiteY6" fmla="*/ 164202 h 4178958"/>
+              <a:gd name="connsiteX7" fmla="*/ 1810878 w 3900357"/>
+              <a:gd name="connsiteY7" fmla="*/ 0 h 4178958"/>
+              <a:gd name="connsiteX8" fmla="*/ 2432225 w 3900357"/>
+              <a:gd name="connsiteY8" fmla="*/ 93939 h 4178958"/>
+            </a:gdLst>
+            <a:ahLst/>
+            <a:cxnLst>
+              <a:cxn ang="0">
+                <a:pos x="connsiteX0" y="connsiteY0"/>
+              </a:cxn>
+              <a:cxn ang="0">
+                <a:pos x="connsiteX1" y="connsiteY1"/>
+              </a:cxn>
+              <a:cxn ang="0">
+                <a:pos x="connsiteX2" y="connsiteY2"/>
+              </a:cxn>
+              <a:cxn ang="0">
+                <a:pos x="connsiteX3" y="connsiteY3"/>
+              </a:cxn>
+              <a:cxn ang="0">
+                <a:pos x="connsiteX4" y="connsiteY4"/>
+              </a:cxn>
+              <a:cxn ang="0">
+                <a:pos x="connsiteX5" y="connsiteY5"/>
+              </a:cxn>
+              <a:cxn ang="0">
+                <a:pos x="connsiteX6" y="connsiteY6"/>
+              </a:cxn>
+              <a:cxn ang="0">
+                <a:pos x="connsiteX7" y="connsiteY7"/>
+              </a:cxn>
+              <a:cxn ang="0">
+                <a:pos x="connsiteX8" y="connsiteY8"/>
+              </a:cxn>
+            </a:cxnLst>
+            <a:rect l="l" t="t" r="r" b="b"/>
+            <a:pathLst>
+              <a:path w="3900357" h="4178958">
+                <a:moveTo>
+                  <a:pt x="2432225" y="93939"/>
+                </a:moveTo>
+                <a:cubicBezTo>
+                  <a:pt x="3282786" y="358491"/>
+                  <a:pt x="3900357" y="1151865"/>
+                  <a:pt x="3900357" y="2089479"/>
+                </a:cubicBezTo>
+                <a:cubicBezTo>
+                  <a:pt x="3900357" y="3243466"/>
+                  <a:pt x="2964865" y="4178958"/>
+                  <a:pt x="1810878" y="4178958"/>
+                </a:cubicBezTo>
+                <a:cubicBezTo>
+                  <a:pt x="1089636" y="4178958"/>
+                  <a:pt x="453744" y="3813531"/>
+                  <a:pt x="78249" y="3257727"/>
+                </a:cubicBezTo>
+                <a:lnTo>
+                  <a:pt x="0" y="3128923"/>
+                </a:lnTo>
+                <a:lnTo>
+                  <a:pt x="831324" y="244281"/>
+                </a:lnTo>
+                <a:lnTo>
+                  <a:pt x="997559" y="164202"/>
+                </a:lnTo>
+                <a:cubicBezTo>
+                  <a:pt x="1247540" y="58468"/>
+                  <a:pt x="1522381" y="0"/>
+                  <a:pt x="1810878" y="0"/>
+                </a:cubicBezTo>
+                <a:cubicBezTo>
+                  <a:pt x="2027251" y="0"/>
+                  <a:pt x="2235942" y="32888"/>
+                  <a:pt x="2432225" y="93939"/>
+                </a:cubicBezTo>
+                <a:close/>
+              </a:path>
+            </a:pathLst>
+          </a:custGeom>
+          <a:gradFill>
+            <a:gsLst>
+              <a:gs pos="29000">
+                <a:srgbClr val="000000">
+                  <a:alpha val="0"/>
+                </a:srgbClr>
+              </a:gs>
+              <a:gs pos="100000">
+                <a:schemeClr val="accent1">
+                  <a:alpha val="43000"/>
+                </a:schemeClr>
+              </a:gs>
+            </a:gsLst>
+            <a:lin ang="1800000" scaled="0"/>
+          </a:gradFill>
+          <a:ln>
+            <a:noFill/>
+          </a:ln>
+        </p:spPr>
+        <p:style>
+          <a:lnRef idx="2">
+            <a:schemeClr val="accent1">
+              <a:shade val="50000"/>
+            </a:schemeClr>
+          </a:lnRef>
+          <a:fillRef idx="1">
+            <a:schemeClr val="accent1"/>
+          </a:fillRef>
+          <a:effectRef idx="0">
+            <a:schemeClr val="accent1"/>
+          </a:effectRef>
+          <a:fontRef idx="minor">
+            <a:schemeClr val="lt1"/>
+          </a:fontRef>
+        </p:style>
+        <p:txBody>
+          <a:bodyPr wrap="square" rtlCol="0" anchor="ctr">
+            <a:noAutofit/>
+          </a:bodyPr>
+          <a:lstStyle/>
+          <a:p>
+            <a:pPr algn="ctr"/>
+            <a:endParaRPr lang="en-US" dirty="0"/>
+          </a:p>
+        </p:txBody>
+      </p:sp>
+      <p:sp>
+        <p:nvSpPr>
+          <p:cNvPr id="21" name="Rectangle 20">
+            <a:extLst>
+              <a:ext uri="{FF2B5EF4-FFF2-40B4-BE49-F238E27FC236}">
+                <a16:creationId xmlns:a16="http://schemas.microsoft.com/office/drawing/2014/main" id="{8D71EDA1-87BF-4D5D-AB79-F346FD19278A}"/>
+              </a:ext>
+              <a:ext uri="{C183D7F6-B498-43B3-948B-1728B52AA6E4}">
+                <adec:decorative xmlns:adec="http://schemas.microsoft.com/office/drawing/2017/decorative" val="1"/>
+              </a:ext>
+            </a:extLst>
+          </p:cNvPr>
+          <p:cNvSpPr>
+            <a:spLocks noGrp="1" noRot="1" noChangeAspect="1" noMove="1" noResize="1" noEditPoints="1" noAdjustHandles="1" noChangeArrowheads="1" noChangeShapeType="1" noTextEdit="1"/>
+          </p:cNvSpPr>
+          <p:nvPr>
+            <p:extLst>
+              <p:ext uri="{386F3935-93C4-4BCD-93E2-E3B085C9AB24}">
+                <p16:designElem xmlns:p16="http://schemas.microsoft.com/office/powerpoint/2015/main" val="1"/>
+              </p:ext>
+            </p:extLst>
+          </p:nvPr>
+        </p:nvSpPr>
+        <p:spPr>
+          <a:xfrm rot="5400000" flipH="1">
+            <a:off x="-1914820" y="1904672"/>
+            <a:ext cx="6858003" cy="3028376"/>
+          </a:xfrm>
+          <a:prstGeom prst="rect">
+            <a:avLst/>
+          </a:prstGeom>
+          <a:gradFill>
+            <a:gsLst>
+              <a:gs pos="0">
+                <a:srgbClr val="000000">
+                  <a:alpha val="0"/>
+                </a:srgbClr>
+              </a:gs>
+              <a:gs pos="99000">
+                <a:schemeClr val="accent1">
+                  <a:lumMod val="60000"/>
+                  <a:lumOff val="40000"/>
+                  <a:alpha val="11000"/>
+                </a:schemeClr>
+              </a:gs>
+            </a:gsLst>
+            <a:lin ang="7200000" scaled="0"/>
+          </a:gradFill>
+          <a:ln>
+            <a:noFill/>
+          </a:ln>
+        </p:spPr>
+        <p:style>
+          <a:lnRef idx="2">
+            <a:schemeClr val="accent1">
+              <a:shade val="50000"/>
+            </a:schemeClr>
+          </a:lnRef>
+          <a:fillRef idx="1">
+            <a:schemeClr val="accent1"/>
+          </a:fillRef>
+          <a:effectRef idx="0">
+            <a:schemeClr val="accent1"/>
+          </a:effectRef>
+          <a:fontRef idx="minor">
+            <a:schemeClr val="lt1"/>
+          </a:fontRef>
+        </p:style>
+        <p:txBody>
+          <a:bodyPr rtlCol="0" anchor="ctr"/>
+          <a:lstStyle/>
+          <a:p>
+            <a:pPr algn="ctr"/>
+            <a:endParaRPr lang="en-US"/>
+          </a:p>
+        </p:txBody>
+      </p:sp>
+      <p:sp>
+        <p:nvSpPr>
+          <p:cNvPr id="4" name="Title 3">
+            <a:extLst>
+              <a:ext uri="{FF2B5EF4-FFF2-40B4-BE49-F238E27FC236}">
+                <a16:creationId xmlns:a16="http://schemas.microsoft.com/office/drawing/2014/main" id="{8CE06CE4-080F-E09D-E626-66BA86EF84BE}"/>
+              </a:ext>
+            </a:extLst>
+          </p:cNvPr>
+          <p:cNvSpPr>
+            <a:spLocks noGrp="1"/>
+          </p:cNvSpPr>
+          <p:nvPr>
+            <p:ph type="title"/>
+          </p:nvPr>
+        </p:nvSpPr>
+        <p:spPr>
+          <a:xfrm>
+            <a:off x="1" y="586855"/>
+            <a:ext cx="2751066" cy="3387497"/>
+          </a:xfrm>
+        </p:spPr>
+        <p:txBody>
+          <a:bodyPr vert="horz" lIns="91440" tIns="45720" rIns="91440" bIns="45720" rtlCol="0" anchor="b">
+            <a:normAutofit/>
+          </a:bodyPr>
+          <a:lstStyle/>
+          <a:p>
+            <a:pPr algn="ctr" defTabSz="914400"/>
+            <a:r>
+              <a:rPr lang="en-US" sz="6000" dirty="0">
+                <a:effectLst/>
+                <a:latin typeface="Calibri" panose="020F0502020204030204" pitchFamily="34" charset="0"/>
+                <a:cs typeface="Calibri" panose="020F0502020204030204" pitchFamily="34" charset="0"/>
+              </a:rPr>
+              <a:t>Recap</a:t>
+            </a:r>
+            <a:endParaRPr lang="en-US" sz="6000" kern="1200" dirty="0">
+              <a:solidFill>
+                <a:srgbClr val="FFFFFF"/>
+              </a:solidFill>
+              <a:latin typeface="Calibri" panose="020F0502020204030204" pitchFamily="34" charset="0"/>
+              <a:cs typeface="Calibri" panose="020F0502020204030204" pitchFamily="34" charset="0"/>
+            </a:endParaRPr>
+          </a:p>
+        </p:txBody>
+      </p:sp>
+      <p:sp>
+        <p:nvSpPr>
+          <p:cNvPr id="3" name="TextBox 2">
+            <a:extLst>
+              <a:ext uri="{FF2B5EF4-FFF2-40B4-BE49-F238E27FC236}">
+                <a16:creationId xmlns:a16="http://schemas.microsoft.com/office/drawing/2014/main" id="{9E86E5BC-CAED-57DA-FC37-25DF3DE2A8E9}"/>
+              </a:ext>
+            </a:extLst>
+          </p:cNvPr>
+          <p:cNvSpPr txBox="1"/>
+          <p:nvPr/>
+        </p:nvSpPr>
+        <p:spPr>
+          <a:xfrm>
+            <a:off x="2338087" y="10134"/>
+            <a:ext cx="6678592" cy="6656884"/>
+          </a:xfrm>
+          <a:prstGeom prst="rect">
+            <a:avLst/>
+          </a:prstGeom>
+        </p:spPr>
+        <p:txBody>
+          <a:bodyPr vert="horz" lIns="91440" tIns="45720" rIns="91440" bIns="45720" rtlCol="0" anchor="ctr">
+            <a:normAutofit/>
+          </a:bodyPr>
+          <a:lstStyle/>
+          <a:p>
+            <a:pPr marL="914400" lvl="1" indent="-228600">
+              <a:spcAft>
+                <a:spcPts val="1050"/>
+              </a:spcAft>
+              <a:buSzPts val="1000"/>
+              <a:buFont typeface="Arial" panose="020B0604020202020204" pitchFamily="34" charset="0"/>
+              <a:buChar char="•"/>
+              <a:tabLst>
+                <a:tab pos="457200" algn="l"/>
+              </a:tabLst>
+            </a:pPr>
+            <a:r>
+              <a:rPr lang="en-US" sz="2600" dirty="0">
+                <a:latin typeface="Calibri" panose="020F0502020204030204" pitchFamily="34" charset="0"/>
+                <a:cs typeface="Calibri" panose="020F0502020204030204" pitchFamily="34" charset="0"/>
+              </a:rPr>
+              <a:t>Getting familiar with XAMPP </a:t>
+            </a:r>
+            <a:r>
+              <a:rPr lang="en-US" sz="2600" dirty="0">
+                <a:latin typeface="Calibri" panose="020F0502020204030204" pitchFamily="34" charset="0"/>
+                <a:cs typeface="Calibri" panose="020F0502020204030204" pitchFamily="34" charset="0"/>
+                <a:sym typeface="Wingdings" pitchFamily="2" charset="2"/>
+              </a:rPr>
+              <a:t> MySQL (Start &amp; Stop services)</a:t>
+            </a:r>
+          </a:p>
+          <a:p>
+            <a:pPr marL="685800" lvl="1">
+              <a:spcAft>
+                <a:spcPts val="1050"/>
+              </a:spcAft>
+              <a:buSzPts val="1000"/>
+              <a:tabLst>
+                <a:tab pos="457200" algn="l"/>
+              </a:tabLst>
+            </a:pPr>
+            <a:endParaRPr lang="en-US" sz="2600" dirty="0">
+              <a:effectLst/>
+              <a:latin typeface="Calibri" panose="020F0502020204030204" pitchFamily="34" charset="0"/>
+              <a:cs typeface="Calibri" panose="020F0502020204030204" pitchFamily="34" charset="0"/>
+            </a:endParaRPr>
+          </a:p>
+        </p:txBody>
+      </p:sp>
+    </p:spTree>
+    <p:extLst>
+      <p:ext uri="{BB962C8B-B14F-4D97-AF65-F5344CB8AC3E}">
+        <p14:creationId xmlns:p14="http://schemas.microsoft.com/office/powerpoint/2010/main" val="2967372363"/>
       </p:ext>
     </p:extLst>
   </p:cSld>
@@ -32628,6 +34427,2192 @@
     <p:extLst>
       <p:ext uri="{BB962C8B-B14F-4D97-AF65-F5344CB8AC3E}">
         <p14:creationId xmlns:p14="http://schemas.microsoft.com/office/powerpoint/2010/main" val="994668922"/>
+      </p:ext>
+    </p:extLst>
+  </p:cSld>
+  <p:clrMapOvr>
+    <a:masterClrMapping/>
+  </p:clrMapOvr>
+</p:sld>
+</file>
+
+<file path=ppt/slides/slide50.xml><?xml version="1.0" encoding="utf-8"?>
+<p:sld xmlns:a="http://schemas.openxmlformats.org/drawingml/2006/main" xmlns:r="http://schemas.openxmlformats.org/officeDocument/2006/relationships" xmlns:p="http://schemas.openxmlformats.org/presentationml/2006/main">
+  <p:cSld>
+    <p:bg>
+      <p:bgPr>
+        <a:solidFill>
+          <a:schemeClr val="bg1"/>
+        </a:solidFill>
+        <a:effectLst/>
+      </p:bgPr>
+    </p:bg>
+    <p:spTree>
+      <p:nvGrpSpPr>
+        <p:cNvPr id="1" name=""/>
+        <p:cNvGrpSpPr/>
+        <p:nvPr/>
+      </p:nvGrpSpPr>
+      <p:grpSpPr>
+        <a:xfrm>
+          <a:off x="0" y="0"/>
+          <a:ext cx="0" cy="0"/>
+          <a:chOff x="0" y="0"/>
+          <a:chExt cx="0" cy="0"/>
+        </a:xfrm>
+      </p:grpSpPr>
+      <p:sp useBgFill="1">
+        <p:nvSpPr>
+          <p:cNvPr id="9" name="Rectangle 8">
+            <a:extLst>
+              <a:ext uri="{FF2B5EF4-FFF2-40B4-BE49-F238E27FC236}">
+                <a16:creationId xmlns:a16="http://schemas.microsoft.com/office/drawing/2014/main" id="{09588DA8-065E-4F6F-8EFD-43104AB2E0CF}"/>
+              </a:ext>
+              <a:ext uri="{C183D7F6-B498-43B3-948B-1728B52AA6E4}">
+                <adec:decorative xmlns:adec="http://schemas.microsoft.com/office/drawing/2017/decorative" val="1"/>
+              </a:ext>
+            </a:extLst>
+          </p:cNvPr>
+          <p:cNvSpPr>
+            <a:spLocks noGrp="1" noRot="1" noChangeAspect="1" noMove="1" noResize="1" noEditPoints="1" noAdjustHandles="1" noChangeArrowheads="1" noChangeShapeType="1" noTextEdit="1"/>
+          </p:cNvSpPr>
+          <p:nvPr>
+            <p:extLst>
+              <p:ext uri="{386F3935-93C4-4BCD-93E2-E3B085C9AB24}">
+                <p16:designElem xmlns:p16="http://schemas.microsoft.com/office/powerpoint/2015/main" val="1"/>
+              </p:ext>
+            </p:extLst>
+          </p:nvPr>
+        </p:nvSpPr>
+        <p:spPr>
+          <a:xfrm>
+            <a:off x="0" y="0"/>
+            <a:ext cx="9144000" cy="6858000"/>
+          </a:xfrm>
+          <a:prstGeom prst="rect">
+            <a:avLst/>
+          </a:prstGeom>
+          <a:ln w="12700" cap="flat" cmpd="sng" algn="ctr">
+            <a:noFill/>
+            <a:prstDash val="solid"/>
+            <a:miter lim="800000"/>
+          </a:ln>
+          <a:effectLst/>
+          <a:extLst>
+            <a:ext uri="{91240B29-F687-4F45-9708-019B960494DF}">
+              <a14:hiddenLine xmlns:a14="http://schemas.microsoft.com/office/drawing/2010/main" w="12700" cap="flat" cmpd="sng" algn="ctr">
+                <a:solidFill>
+                  <a:schemeClr val="accent1">
+                    <a:shade val="50000"/>
+                  </a:schemeClr>
+                </a:solidFill>
+                <a:prstDash val="solid"/>
+                <a:miter lim="800000"/>
+              </a14:hiddenLine>
+            </a:ext>
+          </a:extLst>
+        </p:spPr>
+        <p:style>
+          <a:lnRef idx="2">
+            <a:schemeClr val="accent1">
+              <a:shade val="50000"/>
+            </a:schemeClr>
+          </a:lnRef>
+          <a:fillRef idx="1">
+            <a:schemeClr val="accent1"/>
+          </a:fillRef>
+          <a:effectRef idx="0">
+            <a:schemeClr val="accent1"/>
+          </a:effectRef>
+          <a:fontRef idx="minor">
+            <a:schemeClr val="lt1"/>
+          </a:fontRef>
+        </p:style>
+        <p:txBody>
+          <a:bodyPr rtlCol="0" anchor="ctr"/>
+          <a:lstStyle/>
+          <a:p>
+            <a:pPr algn="ctr"/>
+            <a:endParaRPr lang="en-US"/>
+          </a:p>
+        </p:txBody>
+      </p:sp>
+      <p:sp useBgFill="1">
+        <p:nvSpPr>
+          <p:cNvPr id="11" name="Rectangle 10">
+            <a:extLst>
+              <a:ext uri="{FF2B5EF4-FFF2-40B4-BE49-F238E27FC236}">
+                <a16:creationId xmlns:a16="http://schemas.microsoft.com/office/drawing/2014/main" id="{C4285719-470E-454C-AF62-8323075F1F5B}"/>
+              </a:ext>
+              <a:ext uri="{C183D7F6-B498-43B3-948B-1728B52AA6E4}">
+                <adec:decorative xmlns:adec="http://schemas.microsoft.com/office/drawing/2017/decorative" val="1"/>
+              </a:ext>
+            </a:extLst>
+          </p:cNvPr>
+          <p:cNvSpPr>
+            <a:spLocks noGrp="1" noRot="1" noChangeAspect="1" noMove="1" noResize="1" noEditPoints="1" noAdjustHandles="1" noChangeArrowheads="1" noChangeShapeType="1" noTextEdit="1"/>
+          </p:cNvSpPr>
+          <p:nvPr>
+            <p:extLst>
+              <p:ext uri="{386F3935-93C4-4BCD-93E2-E3B085C9AB24}">
+                <p16:designElem xmlns:p16="http://schemas.microsoft.com/office/powerpoint/2015/main" val="1"/>
+              </p:ext>
+            </p:extLst>
+          </p:nvPr>
+        </p:nvSpPr>
+        <p:spPr>
+          <a:xfrm>
+            <a:off x="0" y="0"/>
+            <a:ext cx="9141714" cy="6858000"/>
+          </a:xfrm>
+          <a:prstGeom prst="rect">
+            <a:avLst/>
+          </a:prstGeom>
+          <a:ln w="12700" cap="flat" cmpd="sng" algn="ctr">
+            <a:noFill/>
+            <a:prstDash val="solid"/>
+            <a:miter lim="800000"/>
+          </a:ln>
+          <a:effectLst/>
+          <a:extLst>
+            <a:ext uri="{91240B29-F687-4F45-9708-019B960494DF}">
+              <a14:hiddenLine xmlns:a14="http://schemas.microsoft.com/office/drawing/2010/main" w="12700" cap="flat" cmpd="sng" algn="ctr">
+                <a:solidFill>
+                  <a:schemeClr val="accent1">
+                    <a:shade val="50000"/>
+                  </a:schemeClr>
+                </a:solidFill>
+                <a:prstDash val="solid"/>
+                <a:miter lim="800000"/>
+              </a14:hiddenLine>
+            </a:ext>
+          </a:extLst>
+        </p:spPr>
+        <p:style>
+          <a:lnRef idx="2">
+            <a:schemeClr val="accent1">
+              <a:shade val="50000"/>
+            </a:schemeClr>
+          </a:lnRef>
+          <a:fillRef idx="1">
+            <a:schemeClr val="accent1"/>
+          </a:fillRef>
+          <a:effectRef idx="0">
+            <a:schemeClr val="accent1"/>
+          </a:effectRef>
+          <a:fontRef idx="minor">
+            <a:schemeClr val="lt1"/>
+          </a:fontRef>
+        </p:style>
+        <p:txBody>
+          <a:bodyPr rtlCol="0" anchor="ctr"/>
+          <a:lstStyle/>
+          <a:p>
+            <a:pPr algn="ctr"/>
+            <a:endParaRPr lang="en-US"/>
+          </a:p>
+        </p:txBody>
+      </p:sp>
+      <p:sp>
+        <p:nvSpPr>
+          <p:cNvPr id="13" name="Rectangle 12">
+            <a:extLst>
+              <a:ext uri="{FF2B5EF4-FFF2-40B4-BE49-F238E27FC236}">
+                <a16:creationId xmlns:a16="http://schemas.microsoft.com/office/drawing/2014/main" id="{CD9FE4EF-C4D8-49A0-B2FF-81D8DB7D8A24}"/>
+              </a:ext>
+              <a:ext uri="{C183D7F6-B498-43B3-948B-1728B52AA6E4}">
+                <adec:decorative xmlns:adec="http://schemas.microsoft.com/office/drawing/2017/decorative" val="1"/>
+              </a:ext>
+            </a:extLst>
+          </p:cNvPr>
+          <p:cNvSpPr>
+            <a:spLocks noGrp="1" noRot="1" noChangeAspect="1" noMove="1" noResize="1" noEditPoints="1" noAdjustHandles="1" noChangeArrowheads="1" noChangeShapeType="1" noTextEdit="1"/>
+          </p:cNvSpPr>
+          <p:nvPr>
+            <p:extLst>
+              <p:ext uri="{386F3935-93C4-4BCD-93E2-E3B085C9AB24}">
+                <p16:designElem xmlns:p16="http://schemas.microsoft.com/office/powerpoint/2015/main" val="1"/>
+              </p:ext>
+            </p:extLst>
+          </p:nvPr>
+        </p:nvSpPr>
+        <p:spPr>
+          <a:xfrm rot="5400000" flipH="1">
+            <a:off x="-1914813" y="1914812"/>
+            <a:ext cx="6858000" cy="3028377"/>
+          </a:xfrm>
+          <a:prstGeom prst="rect">
+            <a:avLst/>
+          </a:prstGeom>
+          <a:gradFill>
+            <a:gsLst>
+              <a:gs pos="8000">
+                <a:srgbClr val="000000"/>
+              </a:gs>
+              <a:gs pos="100000">
+                <a:schemeClr val="accent1">
+                  <a:lumMod val="75000"/>
+                </a:schemeClr>
+              </a:gs>
+            </a:gsLst>
+            <a:lin ang="3000000" scaled="0"/>
+          </a:gradFill>
+          <a:ln>
+            <a:noFill/>
+          </a:ln>
+        </p:spPr>
+        <p:style>
+          <a:lnRef idx="2">
+            <a:schemeClr val="accent1">
+              <a:shade val="50000"/>
+            </a:schemeClr>
+          </a:lnRef>
+          <a:fillRef idx="1">
+            <a:schemeClr val="accent1"/>
+          </a:fillRef>
+          <a:effectRef idx="0">
+            <a:schemeClr val="accent1"/>
+          </a:effectRef>
+          <a:fontRef idx="minor">
+            <a:schemeClr val="lt1"/>
+          </a:fontRef>
+        </p:style>
+        <p:txBody>
+          <a:bodyPr rtlCol="0" anchor="ctr"/>
+          <a:lstStyle/>
+          <a:p>
+            <a:pPr algn="ctr"/>
+            <a:endParaRPr lang="en-US"/>
+          </a:p>
+        </p:txBody>
+      </p:sp>
+      <p:sp>
+        <p:nvSpPr>
+          <p:cNvPr id="15" name="Rectangle 14">
+            <a:extLst>
+              <a:ext uri="{FF2B5EF4-FFF2-40B4-BE49-F238E27FC236}">
+                <a16:creationId xmlns:a16="http://schemas.microsoft.com/office/drawing/2014/main" id="{4300840D-0A0B-4512-BACA-B439D5B9C57C}"/>
+              </a:ext>
+              <a:ext uri="{C183D7F6-B498-43B3-948B-1728B52AA6E4}">
+                <adec:decorative xmlns:adec="http://schemas.microsoft.com/office/drawing/2017/decorative" val="1"/>
+              </a:ext>
+            </a:extLst>
+          </p:cNvPr>
+          <p:cNvSpPr>
+            <a:spLocks noGrp="1" noRot="1" noChangeAspect="1" noMove="1" noResize="1" noEditPoints="1" noAdjustHandles="1" noChangeArrowheads="1" noChangeShapeType="1" noTextEdit="1"/>
+          </p:cNvSpPr>
+          <p:nvPr>
+            <p:extLst>
+              <p:ext uri="{386F3935-93C4-4BCD-93E2-E3B085C9AB24}">
+                <p16:designElem xmlns:p16="http://schemas.microsoft.com/office/powerpoint/2015/main" val="1"/>
+              </p:ext>
+            </p:extLst>
+          </p:nvPr>
+        </p:nvSpPr>
+        <p:spPr>
+          <a:xfrm rot="5400000" flipH="1">
+            <a:off x="-1914814" y="1924949"/>
+            <a:ext cx="6857999" cy="3028379"/>
+          </a:xfrm>
+          <a:prstGeom prst="rect">
+            <a:avLst/>
+          </a:prstGeom>
+          <a:gradFill>
+            <a:gsLst>
+              <a:gs pos="0">
+                <a:srgbClr val="000000">
+                  <a:alpha val="0"/>
+                </a:srgbClr>
+              </a:gs>
+              <a:gs pos="99000">
+                <a:schemeClr val="accent1">
+                  <a:alpha val="46000"/>
+                </a:schemeClr>
+              </a:gs>
+            </a:gsLst>
+            <a:lin ang="1800000" scaled="0"/>
+          </a:gradFill>
+          <a:ln>
+            <a:noFill/>
+          </a:ln>
+        </p:spPr>
+        <p:style>
+          <a:lnRef idx="2">
+            <a:schemeClr val="accent1">
+              <a:shade val="50000"/>
+            </a:schemeClr>
+          </a:lnRef>
+          <a:fillRef idx="1">
+            <a:schemeClr val="accent1"/>
+          </a:fillRef>
+          <a:effectRef idx="0">
+            <a:schemeClr val="accent1"/>
+          </a:effectRef>
+          <a:fontRef idx="minor">
+            <a:schemeClr val="lt1"/>
+          </a:fontRef>
+        </p:style>
+        <p:txBody>
+          <a:bodyPr rtlCol="0" anchor="ctr"/>
+          <a:lstStyle/>
+          <a:p>
+            <a:pPr algn="ctr"/>
+            <a:endParaRPr lang="en-US"/>
+          </a:p>
+        </p:txBody>
+      </p:sp>
+      <p:sp>
+        <p:nvSpPr>
+          <p:cNvPr id="17" name="Rectangle 16">
+            <a:extLst>
+              <a:ext uri="{FF2B5EF4-FFF2-40B4-BE49-F238E27FC236}">
+                <a16:creationId xmlns:a16="http://schemas.microsoft.com/office/drawing/2014/main" id="{D2B78728-A580-49A7-84F9-6EF6F583ADE0}"/>
+              </a:ext>
+              <a:ext uri="{C183D7F6-B498-43B3-948B-1728B52AA6E4}">
+                <adec:decorative xmlns:adec="http://schemas.microsoft.com/office/drawing/2017/decorative" val="1"/>
+              </a:ext>
+            </a:extLst>
+          </p:cNvPr>
+          <p:cNvSpPr>
+            <a:spLocks noGrp="1" noRot="1" noChangeAspect="1" noMove="1" noResize="1" noEditPoints="1" noAdjustHandles="1" noChangeArrowheads="1" noChangeShapeType="1" noTextEdit="1"/>
+          </p:cNvSpPr>
+          <p:nvPr>
+            <p:extLst>
+              <p:ext uri="{386F3935-93C4-4BCD-93E2-E3B085C9AB24}">
+                <p16:designElem xmlns:p16="http://schemas.microsoft.com/office/powerpoint/2015/main" val="1"/>
+              </p:ext>
+            </p:extLst>
+          </p:nvPr>
+        </p:nvSpPr>
+        <p:spPr>
+          <a:xfrm rot="5400000" flipH="1">
+            <a:off x="263195" y="4092815"/>
+            <a:ext cx="2501979" cy="3028381"/>
+          </a:xfrm>
+          <a:prstGeom prst="rect">
+            <a:avLst/>
+          </a:prstGeom>
+          <a:gradFill>
+            <a:gsLst>
+              <a:gs pos="2000">
+                <a:schemeClr val="accent1">
+                  <a:alpha val="29000"/>
+                </a:schemeClr>
+              </a:gs>
+              <a:gs pos="100000">
+                <a:srgbClr val="000000">
+                  <a:alpha val="30000"/>
+                </a:srgbClr>
+              </a:gs>
+            </a:gsLst>
+            <a:lin ang="7800000" scaled="0"/>
+          </a:gradFill>
+          <a:ln>
+            <a:noFill/>
+          </a:ln>
+        </p:spPr>
+        <p:style>
+          <a:lnRef idx="2">
+            <a:schemeClr val="accent1">
+              <a:shade val="50000"/>
+            </a:schemeClr>
+          </a:lnRef>
+          <a:fillRef idx="1">
+            <a:schemeClr val="accent1"/>
+          </a:fillRef>
+          <a:effectRef idx="0">
+            <a:schemeClr val="accent1"/>
+          </a:effectRef>
+          <a:fontRef idx="minor">
+            <a:schemeClr val="lt1"/>
+          </a:fontRef>
+        </p:style>
+        <p:txBody>
+          <a:bodyPr rtlCol="0" anchor="ctr"/>
+          <a:lstStyle/>
+          <a:p>
+            <a:pPr algn="ctr"/>
+            <a:endParaRPr lang="en-US" dirty="0"/>
+          </a:p>
+        </p:txBody>
+      </p:sp>
+      <p:sp>
+        <p:nvSpPr>
+          <p:cNvPr id="19" name="Freeform: Shape 18">
+            <a:extLst>
+              <a:ext uri="{FF2B5EF4-FFF2-40B4-BE49-F238E27FC236}">
+                <a16:creationId xmlns:a16="http://schemas.microsoft.com/office/drawing/2014/main" id="{38FAA1A1-D861-433F-88FA-1E9D6FD31D11}"/>
+              </a:ext>
+              <a:ext uri="{C183D7F6-B498-43B3-948B-1728B52AA6E4}">
+                <adec:decorative xmlns:adec="http://schemas.microsoft.com/office/drawing/2017/decorative" val="1"/>
+              </a:ext>
+            </a:extLst>
+          </p:cNvPr>
+          <p:cNvSpPr>
+            <a:spLocks noGrp="1" noRot="1" noChangeAspect="1" noMove="1" noResize="1" noEditPoints="1" noAdjustHandles="1" noChangeArrowheads="1" noChangeShapeType="1" noTextEdit="1"/>
+          </p:cNvSpPr>
+          <p:nvPr>
+            <p:extLst>
+              <p:ext uri="{386F3935-93C4-4BCD-93E2-E3B085C9AB24}">
+                <p16:designElem xmlns:p16="http://schemas.microsoft.com/office/powerpoint/2015/main" val="1"/>
+              </p:ext>
+            </p:extLst>
+          </p:nvPr>
+        </p:nvSpPr>
+        <p:spPr>
+          <a:xfrm rot="20635413">
+            <a:off x="-376302" y="969718"/>
+            <a:ext cx="2925267" cy="4178958"/>
+          </a:xfrm>
+          <a:custGeom>
+            <a:avLst/>
+            <a:gdLst>
+              <a:gd name="connsiteX0" fmla="*/ 2432225 w 3900357"/>
+              <a:gd name="connsiteY0" fmla="*/ 93939 h 4178958"/>
+              <a:gd name="connsiteX1" fmla="*/ 3900357 w 3900357"/>
+              <a:gd name="connsiteY1" fmla="*/ 2089479 h 4178958"/>
+              <a:gd name="connsiteX2" fmla="*/ 1810878 w 3900357"/>
+              <a:gd name="connsiteY2" fmla="*/ 4178958 h 4178958"/>
+              <a:gd name="connsiteX3" fmla="*/ 78249 w 3900357"/>
+              <a:gd name="connsiteY3" fmla="*/ 3257727 h 4178958"/>
+              <a:gd name="connsiteX4" fmla="*/ 0 w 3900357"/>
+              <a:gd name="connsiteY4" fmla="*/ 3128923 h 4178958"/>
+              <a:gd name="connsiteX5" fmla="*/ 831324 w 3900357"/>
+              <a:gd name="connsiteY5" fmla="*/ 244281 h 4178958"/>
+              <a:gd name="connsiteX6" fmla="*/ 997559 w 3900357"/>
+              <a:gd name="connsiteY6" fmla="*/ 164202 h 4178958"/>
+              <a:gd name="connsiteX7" fmla="*/ 1810878 w 3900357"/>
+              <a:gd name="connsiteY7" fmla="*/ 0 h 4178958"/>
+              <a:gd name="connsiteX8" fmla="*/ 2432225 w 3900357"/>
+              <a:gd name="connsiteY8" fmla="*/ 93939 h 4178958"/>
+            </a:gdLst>
+            <a:ahLst/>
+            <a:cxnLst>
+              <a:cxn ang="0">
+                <a:pos x="connsiteX0" y="connsiteY0"/>
+              </a:cxn>
+              <a:cxn ang="0">
+                <a:pos x="connsiteX1" y="connsiteY1"/>
+              </a:cxn>
+              <a:cxn ang="0">
+                <a:pos x="connsiteX2" y="connsiteY2"/>
+              </a:cxn>
+              <a:cxn ang="0">
+                <a:pos x="connsiteX3" y="connsiteY3"/>
+              </a:cxn>
+              <a:cxn ang="0">
+                <a:pos x="connsiteX4" y="connsiteY4"/>
+              </a:cxn>
+              <a:cxn ang="0">
+                <a:pos x="connsiteX5" y="connsiteY5"/>
+              </a:cxn>
+              <a:cxn ang="0">
+                <a:pos x="connsiteX6" y="connsiteY6"/>
+              </a:cxn>
+              <a:cxn ang="0">
+                <a:pos x="connsiteX7" y="connsiteY7"/>
+              </a:cxn>
+              <a:cxn ang="0">
+                <a:pos x="connsiteX8" y="connsiteY8"/>
+              </a:cxn>
+            </a:cxnLst>
+            <a:rect l="l" t="t" r="r" b="b"/>
+            <a:pathLst>
+              <a:path w="3900357" h="4178958">
+                <a:moveTo>
+                  <a:pt x="2432225" y="93939"/>
+                </a:moveTo>
+                <a:cubicBezTo>
+                  <a:pt x="3282786" y="358491"/>
+                  <a:pt x="3900357" y="1151865"/>
+                  <a:pt x="3900357" y="2089479"/>
+                </a:cubicBezTo>
+                <a:cubicBezTo>
+                  <a:pt x="3900357" y="3243466"/>
+                  <a:pt x="2964865" y="4178958"/>
+                  <a:pt x="1810878" y="4178958"/>
+                </a:cubicBezTo>
+                <a:cubicBezTo>
+                  <a:pt x="1089636" y="4178958"/>
+                  <a:pt x="453744" y="3813531"/>
+                  <a:pt x="78249" y="3257727"/>
+                </a:cubicBezTo>
+                <a:lnTo>
+                  <a:pt x="0" y="3128923"/>
+                </a:lnTo>
+                <a:lnTo>
+                  <a:pt x="831324" y="244281"/>
+                </a:lnTo>
+                <a:lnTo>
+                  <a:pt x="997559" y="164202"/>
+                </a:lnTo>
+                <a:cubicBezTo>
+                  <a:pt x="1247540" y="58468"/>
+                  <a:pt x="1522381" y="0"/>
+                  <a:pt x="1810878" y="0"/>
+                </a:cubicBezTo>
+                <a:cubicBezTo>
+                  <a:pt x="2027251" y="0"/>
+                  <a:pt x="2235942" y="32888"/>
+                  <a:pt x="2432225" y="93939"/>
+                </a:cubicBezTo>
+                <a:close/>
+              </a:path>
+            </a:pathLst>
+          </a:custGeom>
+          <a:gradFill>
+            <a:gsLst>
+              <a:gs pos="29000">
+                <a:srgbClr val="000000">
+                  <a:alpha val="0"/>
+                </a:srgbClr>
+              </a:gs>
+              <a:gs pos="100000">
+                <a:schemeClr val="accent1">
+                  <a:alpha val="43000"/>
+                </a:schemeClr>
+              </a:gs>
+            </a:gsLst>
+            <a:lin ang="1800000" scaled="0"/>
+          </a:gradFill>
+          <a:ln>
+            <a:noFill/>
+          </a:ln>
+        </p:spPr>
+        <p:style>
+          <a:lnRef idx="2">
+            <a:schemeClr val="accent1">
+              <a:shade val="50000"/>
+            </a:schemeClr>
+          </a:lnRef>
+          <a:fillRef idx="1">
+            <a:schemeClr val="accent1"/>
+          </a:fillRef>
+          <a:effectRef idx="0">
+            <a:schemeClr val="accent1"/>
+          </a:effectRef>
+          <a:fontRef idx="minor">
+            <a:schemeClr val="lt1"/>
+          </a:fontRef>
+        </p:style>
+        <p:txBody>
+          <a:bodyPr wrap="square" rtlCol="0" anchor="ctr">
+            <a:noAutofit/>
+          </a:bodyPr>
+          <a:lstStyle/>
+          <a:p>
+            <a:pPr algn="ctr"/>
+            <a:endParaRPr lang="en-US" dirty="0"/>
+          </a:p>
+        </p:txBody>
+      </p:sp>
+      <p:sp>
+        <p:nvSpPr>
+          <p:cNvPr id="21" name="Rectangle 20">
+            <a:extLst>
+              <a:ext uri="{FF2B5EF4-FFF2-40B4-BE49-F238E27FC236}">
+                <a16:creationId xmlns:a16="http://schemas.microsoft.com/office/drawing/2014/main" id="{8D71EDA1-87BF-4D5D-AB79-F346FD19278A}"/>
+              </a:ext>
+              <a:ext uri="{C183D7F6-B498-43B3-948B-1728B52AA6E4}">
+                <adec:decorative xmlns:adec="http://schemas.microsoft.com/office/drawing/2017/decorative" val="1"/>
+              </a:ext>
+            </a:extLst>
+          </p:cNvPr>
+          <p:cNvSpPr>
+            <a:spLocks noGrp="1" noRot="1" noChangeAspect="1" noMove="1" noResize="1" noEditPoints="1" noAdjustHandles="1" noChangeArrowheads="1" noChangeShapeType="1" noTextEdit="1"/>
+          </p:cNvSpPr>
+          <p:nvPr>
+            <p:extLst>
+              <p:ext uri="{386F3935-93C4-4BCD-93E2-E3B085C9AB24}">
+                <p16:designElem xmlns:p16="http://schemas.microsoft.com/office/powerpoint/2015/main" val="1"/>
+              </p:ext>
+            </p:extLst>
+          </p:nvPr>
+        </p:nvSpPr>
+        <p:spPr>
+          <a:xfrm rot="5400000" flipH="1">
+            <a:off x="-1914820" y="1904672"/>
+            <a:ext cx="6858003" cy="3028376"/>
+          </a:xfrm>
+          <a:prstGeom prst="rect">
+            <a:avLst/>
+          </a:prstGeom>
+          <a:gradFill>
+            <a:gsLst>
+              <a:gs pos="0">
+                <a:srgbClr val="000000">
+                  <a:alpha val="0"/>
+                </a:srgbClr>
+              </a:gs>
+              <a:gs pos="99000">
+                <a:schemeClr val="accent1">
+                  <a:lumMod val="60000"/>
+                  <a:lumOff val="40000"/>
+                  <a:alpha val="11000"/>
+                </a:schemeClr>
+              </a:gs>
+            </a:gsLst>
+            <a:lin ang="7200000" scaled="0"/>
+          </a:gradFill>
+          <a:ln>
+            <a:noFill/>
+          </a:ln>
+        </p:spPr>
+        <p:style>
+          <a:lnRef idx="2">
+            <a:schemeClr val="accent1">
+              <a:shade val="50000"/>
+            </a:schemeClr>
+          </a:lnRef>
+          <a:fillRef idx="1">
+            <a:schemeClr val="accent1"/>
+          </a:fillRef>
+          <a:effectRef idx="0">
+            <a:schemeClr val="accent1"/>
+          </a:effectRef>
+          <a:fontRef idx="minor">
+            <a:schemeClr val="lt1"/>
+          </a:fontRef>
+        </p:style>
+        <p:txBody>
+          <a:bodyPr rtlCol="0" anchor="ctr"/>
+          <a:lstStyle/>
+          <a:p>
+            <a:pPr algn="ctr"/>
+            <a:endParaRPr lang="en-US"/>
+          </a:p>
+        </p:txBody>
+      </p:sp>
+      <p:sp>
+        <p:nvSpPr>
+          <p:cNvPr id="4" name="Title 3">
+            <a:extLst>
+              <a:ext uri="{FF2B5EF4-FFF2-40B4-BE49-F238E27FC236}">
+                <a16:creationId xmlns:a16="http://schemas.microsoft.com/office/drawing/2014/main" id="{8CE06CE4-080F-E09D-E626-66BA86EF84BE}"/>
+              </a:ext>
+            </a:extLst>
+          </p:cNvPr>
+          <p:cNvSpPr>
+            <a:spLocks noGrp="1"/>
+          </p:cNvSpPr>
+          <p:nvPr>
+            <p:ph type="title"/>
+          </p:nvPr>
+        </p:nvSpPr>
+        <p:spPr>
+          <a:xfrm>
+            <a:off x="1" y="586855"/>
+            <a:ext cx="2751066" cy="3387497"/>
+          </a:xfrm>
+        </p:spPr>
+        <p:txBody>
+          <a:bodyPr vert="horz" lIns="91440" tIns="45720" rIns="91440" bIns="45720" rtlCol="0" anchor="b">
+            <a:normAutofit/>
+          </a:bodyPr>
+          <a:lstStyle/>
+          <a:p>
+            <a:pPr algn="ctr" defTabSz="914400"/>
+            <a:r>
+              <a:rPr lang="en-US" sz="6000" dirty="0">
+                <a:effectLst/>
+                <a:latin typeface="Calibri" panose="020F0502020204030204" pitchFamily="34" charset="0"/>
+                <a:cs typeface="Calibri" panose="020F0502020204030204" pitchFamily="34" charset="0"/>
+              </a:rPr>
+              <a:t>Recap</a:t>
+            </a:r>
+            <a:endParaRPr lang="en-US" sz="6000" kern="1200" dirty="0">
+              <a:solidFill>
+                <a:srgbClr val="FFFFFF"/>
+              </a:solidFill>
+              <a:latin typeface="Calibri" panose="020F0502020204030204" pitchFamily="34" charset="0"/>
+              <a:cs typeface="Calibri" panose="020F0502020204030204" pitchFamily="34" charset="0"/>
+            </a:endParaRPr>
+          </a:p>
+        </p:txBody>
+      </p:sp>
+      <p:sp>
+        <p:nvSpPr>
+          <p:cNvPr id="3" name="TextBox 2">
+            <a:extLst>
+              <a:ext uri="{FF2B5EF4-FFF2-40B4-BE49-F238E27FC236}">
+                <a16:creationId xmlns:a16="http://schemas.microsoft.com/office/drawing/2014/main" id="{9E86E5BC-CAED-57DA-FC37-25DF3DE2A8E9}"/>
+              </a:ext>
+            </a:extLst>
+          </p:cNvPr>
+          <p:cNvSpPr txBox="1"/>
+          <p:nvPr/>
+        </p:nvSpPr>
+        <p:spPr>
+          <a:xfrm>
+            <a:off x="2338087" y="10134"/>
+            <a:ext cx="6678592" cy="6656884"/>
+          </a:xfrm>
+          <a:prstGeom prst="rect">
+            <a:avLst/>
+          </a:prstGeom>
+        </p:spPr>
+        <p:txBody>
+          <a:bodyPr vert="horz" lIns="91440" tIns="45720" rIns="91440" bIns="45720" rtlCol="0" anchor="ctr">
+            <a:normAutofit/>
+          </a:bodyPr>
+          <a:lstStyle/>
+          <a:p>
+            <a:pPr marL="914400" lvl="1" indent="-228600">
+              <a:spcAft>
+                <a:spcPts val="1050"/>
+              </a:spcAft>
+              <a:buSzPts val="1000"/>
+              <a:buFont typeface="Arial" panose="020B0604020202020204" pitchFamily="34" charset="0"/>
+              <a:buChar char="•"/>
+              <a:tabLst>
+                <a:tab pos="457200" algn="l"/>
+              </a:tabLst>
+            </a:pPr>
+            <a:r>
+              <a:rPr lang="en-US" sz="2600" dirty="0">
+                <a:latin typeface="Calibri" panose="020F0502020204030204" pitchFamily="34" charset="0"/>
+                <a:cs typeface="Calibri" panose="020F0502020204030204" pitchFamily="34" charset="0"/>
+              </a:rPr>
+              <a:t>Getting familiar with XAMPP </a:t>
+            </a:r>
+            <a:r>
+              <a:rPr lang="en-US" sz="2600" dirty="0">
+                <a:latin typeface="Calibri" panose="020F0502020204030204" pitchFamily="34" charset="0"/>
+                <a:cs typeface="Calibri" panose="020F0502020204030204" pitchFamily="34" charset="0"/>
+                <a:sym typeface="Wingdings" pitchFamily="2" charset="2"/>
+              </a:rPr>
+              <a:t> MySQL (Start &amp; Stop services)</a:t>
+            </a:r>
+          </a:p>
+          <a:p>
+            <a:pPr marL="914400" lvl="1" indent="-228600">
+              <a:spcAft>
+                <a:spcPts val="1050"/>
+              </a:spcAft>
+              <a:buSzPts val="1000"/>
+              <a:buFont typeface="Arial" panose="020B0604020202020204" pitchFamily="34" charset="0"/>
+              <a:buChar char="•"/>
+              <a:tabLst>
+                <a:tab pos="457200" algn="l"/>
+              </a:tabLst>
+            </a:pPr>
+            <a:endParaRPr lang="en-US" sz="2600" dirty="0">
+              <a:latin typeface="Calibri" panose="020F0502020204030204" pitchFamily="34" charset="0"/>
+              <a:cs typeface="Calibri" panose="020F0502020204030204" pitchFamily="34" charset="0"/>
+              <a:sym typeface="Wingdings" pitchFamily="2" charset="2"/>
+            </a:endParaRPr>
+          </a:p>
+          <a:p>
+            <a:pPr marL="914400" lvl="1" indent="-228600">
+              <a:spcAft>
+                <a:spcPts val="1050"/>
+              </a:spcAft>
+              <a:buSzPts val="1000"/>
+              <a:buFont typeface="Arial" panose="020B0604020202020204" pitchFamily="34" charset="0"/>
+              <a:buChar char="•"/>
+              <a:tabLst>
+                <a:tab pos="457200" algn="l"/>
+              </a:tabLst>
+            </a:pPr>
+            <a:r>
+              <a:rPr lang="en-US" sz="2600" dirty="0">
+                <a:latin typeface="Calibri" panose="020F0502020204030204" pitchFamily="34" charset="0"/>
+                <a:cs typeface="Calibri" panose="020F0502020204030204" pitchFamily="34" charset="0"/>
+                <a:sym typeface="Wingdings" pitchFamily="2" charset="2"/>
+              </a:rPr>
+              <a:t>Getting familiar with phpMyAdmin(MySQL) windows.</a:t>
+            </a:r>
+          </a:p>
+        </p:txBody>
+      </p:sp>
+    </p:spTree>
+    <p:extLst>
+      <p:ext uri="{BB962C8B-B14F-4D97-AF65-F5344CB8AC3E}">
+        <p14:creationId xmlns:p14="http://schemas.microsoft.com/office/powerpoint/2010/main" val="3129628173"/>
+      </p:ext>
+    </p:extLst>
+  </p:cSld>
+  <p:clrMapOvr>
+    <a:masterClrMapping/>
+  </p:clrMapOvr>
+</p:sld>
+</file>
+
+<file path=ppt/slides/slide51.xml><?xml version="1.0" encoding="utf-8"?>
+<p:sld xmlns:a="http://schemas.openxmlformats.org/drawingml/2006/main" xmlns:r="http://schemas.openxmlformats.org/officeDocument/2006/relationships" xmlns:p="http://schemas.openxmlformats.org/presentationml/2006/main">
+  <p:cSld>
+    <p:bg>
+      <p:bgPr>
+        <a:solidFill>
+          <a:schemeClr val="bg1"/>
+        </a:solidFill>
+        <a:effectLst/>
+      </p:bgPr>
+    </p:bg>
+    <p:spTree>
+      <p:nvGrpSpPr>
+        <p:cNvPr id="1" name=""/>
+        <p:cNvGrpSpPr/>
+        <p:nvPr/>
+      </p:nvGrpSpPr>
+      <p:grpSpPr>
+        <a:xfrm>
+          <a:off x="0" y="0"/>
+          <a:ext cx="0" cy="0"/>
+          <a:chOff x="0" y="0"/>
+          <a:chExt cx="0" cy="0"/>
+        </a:xfrm>
+      </p:grpSpPr>
+      <p:sp useBgFill="1">
+        <p:nvSpPr>
+          <p:cNvPr id="9" name="Rectangle 8">
+            <a:extLst>
+              <a:ext uri="{FF2B5EF4-FFF2-40B4-BE49-F238E27FC236}">
+                <a16:creationId xmlns:a16="http://schemas.microsoft.com/office/drawing/2014/main" id="{09588DA8-065E-4F6F-8EFD-43104AB2E0CF}"/>
+              </a:ext>
+              <a:ext uri="{C183D7F6-B498-43B3-948B-1728B52AA6E4}">
+                <adec:decorative xmlns:adec="http://schemas.microsoft.com/office/drawing/2017/decorative" val="1"/>
+              </a:ext>
+            </a:extLst>
+          </p:cNvPr>
+          <p:cNvSpPr>
+            <a:spLocks noGrp="1" noRot="1" noChangeAspect="1" noMove="1" noResize="1" noEditPoints="1" noAdjustHandles="1" noChangeArrowheads="1" noChangeShapeType="1" noTextEdit="1"/>
+          </p:cNvSpPr>
+          <p:nvPr>
+            <p:extLst>
+              <p:ext uri="{386F3935-93C4-4BCD-93E2-E3B085C9AB24}">
+                <p16:designElem xmlns:p16="http://schemas.microsoft.com/office/powerpoint/2015/main" val="1"/>
+              </p:ext>
+            </p:extLst>
+          </p:nvPr>
+        </p:nvSpPr>
+        <p:spPr>
+          <a:xfrm>
+            <a:off x="0" y="0"/>
+            <a:ext cx="9144000" cy="6858000"/>
+          </a:xfrm>
+          <a:prstGeom prst="rect">
+            <a:avLst/>
+          </a:prstGeom>
+          <a:ln w="12700" cap="flat" cmpd="sng" algn="ctr">
+            <a:noFill/>
+            <a:prstDash val="solid"/>
+            <a:miter lim="800000"/>
+          </a:ln>
+          <a:effectLst/>
+          <a:extLst>
+            <a:ext uri="{91240B29-F687-4F45-9708-019B960494DF}">
+              <a14:hiddenLine xmlns:a14="http://schemas.microsoft.com/office/drawing/2010/main" w="12700" cap="flat" cmpd="sng" algn="ctr">
+                <a:solidFill>
+                  <a:schemeClr val="accent1">
+                    <a:shade val="50000"/>
+                  </a:schemeClr>
+                </a:solidFill>
+                <a:prstDash val="solid"/>
+                <a:miter lim="800000"/>
+              </a14:hiddenLine>
+            </a:ext>
+          </a:extLst>
+        </p:spPr>
+        <p:style>
+          <a:lnRef idx="2">
+            <a:schemeClr val="accent1">
+              <a:shade val="50000"/>
+            </a:schemeClr>
+          </a:lnRef>
+          <a:fillRef idx="1">
+            <a:schemeClr val="accent1"/>
+          </a:fillRef>
+          <a:effectRef idx="0">
+            <a:schemeClr val="accent1"/>
+          </a:effectRef>
+          <a:fontRef idx="minor">
+            <a:schemeClr val="lt1"/>
+          </a:fontRef>
+        </p:style>
+        <p:txBody>
+          <a:bodyPr rtlCol="0" anchor="ctr"/>
+          <a:lstStyle/>
+          <a:p>
+            <a:pPr algn="ctr"/>
+            <a:endParaRPr lang="en-US"/>
+          </a:p>
+        </p:txBody>
+      </p:sp>
+      <p:sp useBgFill="1">
+        <p:nvSpPr>
+          <p:cNvPr id="11" name="Rectangle 10">
+            <a:extLst>
+              <a:ext uri="{FF2B5EF4-FFF2-40B4-BE49-F238E27FC236}">
+                <a16:creationId xmlns:a16="http://schemas.microsoft.com/office/drawing/2014/main" id="{C4285719-470E-454C-AF62-8323075F1F5B}"/>
+              </a:ext>
+              <a:ext uri="{C183D7F6-B498-43B3-948B-1728B52AA6E4}">
+                <adec:decorative xmlns:adec="http://schemas.microsoft.com/office/drawing/2017/decorative" val="1"/>
+              </a:ext>
+            </a:extLst>
+          </p:cNvPr>
+          <p:cNvSpPr>
+            <a:spLocks noGrp="1" noRot="1" noChangeAspect="1" noMove="1" noResize="1" noEditPoints="1" noAdjustHandles="1" noChangeArrowheads="1" noChangeShapeType="1" noTextEdit="1"/>
+          </p:cNvSpPr>
+          <p:nvPr>
+            <p:extLst>
+              <p:ext uri="{386F3935-93C4-4BCD-93E2-E3B085C9AB24}">
+                <p16:designElem xmlns:p16="http://schemas.microsoft.com/office/powerpoint/2015/main" val="1"/>
+              </p:ext>
+            </p:extLst>
+          </p:nvPr>
+        </p:nvSpPr>
+        <p:spPr>
+          <a:xfrm>
+            <a:off x="0" y="0"/>
+            <a:ext cx="9141714" cy="6858000"/>
+          </a:xfrm>
+          <a:prstGeom prst="rect">
+            <a:avLst/>
+          </a:prstGeom>
+          <a:ln w="12700" cap="flat" cmpd="sng" algn="ctr">
+            <a:noFill/>
+            <a:prstDash val="solid"/>
+            <a:miter lim="800000"/>
+          </a:ln>
+          <a:effectLst/>
+          <a:extLst>
+            <a:ext uri="{91240B29-F687-4F45-9708-019B960494DF}">
+              <a14:hiddenLine xmlns:a14="http://schemas.microsoft.com/office/drawing/2010/main" w="12700" cap="flat" cmpd="sng" algn="ctr">
+                <a:solidFill>
+                  <a:schemeClr val="accent1">
+                    <a:shade val="50000"/>
+                  </a:schemeClr>
+                </a:solidFill>
+                <a:prstDash val="solid"/>
+                <a:miter lim="800000"/>
+              </a14:hiddenLine>
+            </a:ext>
+          </a:extLst>
+        </p:spPr>
+        <p:style>
+          <a:lnRef idx="2">
+            <a:schemeClr val="accent1">
+              <a:shade val="50000"/>
+            </a:schemeClr>
+          </a:lnRef>
+          <a:fillRef idx="1">
+            <a:schemeClr val="accent1"/>
+          </a:fillRef>
+          <a:effectRef idx="0">
+            <a:schemeClr val="accent1"/>
+          </a:effectRef>
+          <a:fontRef idx="minor">
+            <a:schemeClr val="lt1"/>
+          </a:fontRef>
+        </p:style>
+        <p:txBody>
+          <a:bodyPr rtlCol="0" anchor="ctr"/>
+          <a:lstStyle/>
+          <a:p>
+            <a:pPr algn="ctr"/>
+            <a:endParaRPr lang="en-US"/>
+          </a:p>
+        </p:txBody>
+      </p:sp>
+      <p:sp>
+        <p:nvSpPr>
+          <p:cNvPr id="13" name="Rectangle 12">
+            <a:extLst>
+              <a:ext uri="{FF2B5EF4-FFF2-40B4-BE49-F238E27FC236}">
+                <a16:creationId xmlns:a16="http://schemas.microsoft.com/office/drawing/2014/main" id="{CD9FE4EF-C4D8-49A0-B2FF-81D8DB7D8A24}"/>
+              </a:ext>
+              <a:ext uri="{C183D7F6-B498-43B3-948B-1728B52AA6E4}">
+                <adec:decorative xmlns:adec="http://schemas.microsoft.com/office/drawing/2017/decorative" val="1"/>
+              </a:ext>
+            </a:extLst>
+          </p:cNvPr>
+          <p:cNvSpPr>
+            <a:spLocks noGrp="1" noRot="1" noChangeAspect="1" noMove="1" noResize="1" noEditPoints="1" noAdjustHandles="1" noChangeArrowheads="1" noChangeShapeType="1" noTextEdit="1"/>
+          </p:cNvSpPr>
+          <p:nvPr>
+            <p:extLst>
+              <p:ext uri="{386F3935-93C4-4BCD-93E2-E3B085C9AB24}">
+                <p16:designElem xmlns:p16="http://schemas.microsoft.com/office/powerpoint/2015/main" val="1"/>
+              </p:ext>
+            </p:extLst>
+          </p:nvPr>
+        </p:nvSpPr>
+        <p:spPr>
+          <a:xfrm rot="5400000" flipH="1">
+            <a:off x="-1914813" y="1914812"/>
+            <a:ext cx="6858000" cy="3028377"/>
+          </a:xfrm>
+          <a:prstGeom prst="rect">
+            <a:avLst/>
+          </a:prstGeom>
+          <a:gradFill>
+            <a:gsLst>
+              <a:gs pos="8000">
+                <a:srgbClr val="000000"/>
+              </a:gs>
+              <a:gs pos="100000">
+                <a:schemeClr val="accent1">
+                  <a:lumMod val="75000"/>
+                </a:schemeClr>
+              </a:gs>
+            </a:gsLst>
+            <a:lin ang="3000000" scaled="0"/>
+          </a:gradFill>
+          <a:ln>
+            <a:noFill/>
+          </a:ln>
+        </p:spPr>
+        <p:style>
+          <a:lnRef idx="2">
+            <a:schemeClr val="accent1">
+              <a:shade val="50000"/>
+            </a:schemeClr>
+          </a:lnRef>
+          <a:fillRef idx="1">
+            <a:schemeClr val="accent1"/>
+          </a:fillRef>
+          <a:effectRef idx="0">
+            <a:schemeClr val="accent1"/>
+          </a:effectRef>
+          <a:fontRef idx="minor">
+            <a:schemeClr val="lt1"/>
+          </a:fontRef>
+        </p:style>
+        <p:txBody>
+          <a:bodyPr rtlCol="0" anchor="ctr"/>
+          <a:lstStyle/>
+          <a:p>
+            <a:pPr algn="ctr"/>
+            <a:endParaRPr lang="en-US"/>
+          </a:p>
+        </p:txBody>
+      </p:sp>
+      <p:sp>
+        <p:nvSpPr>
+          <p:cNvPr id="15" name="Rectangle 14">
+            <a:extLst>
+              <a:ext uri="{FF2B5EF4-FFF2-40B4-BE49-F238E27FC236}">
+                <a16:creationId xmlns:a16="http://schemas.microsoft.com/office/drawing/2014/main" id="{4300840D-0A0B-4512-BACA-B439D5B9C57C}"/>
+              </a:ext>
+              <a:ext uri="{C183D7F6-B498-43B3-948B-1728B52AA6E4}">
+                <adec:decorative xmlns:adec="http://schemas.microsoft.com/office/drawing/2017/decorative" val="1"/>
+              </a:ext>
+            </a:extLst>
+          </p:cNvPr>
+          <p:cNvSpPr>
+            <a:spLocks noGrp="1" noRot="1" noChangeAspect="1" noMove="1" noResize="1" noEditPoints="1" noAdjustHandles="1" noChangeArrowheads="1" noChangeShapeType="1" noTextEdit="1"/>
+          </p:cNvSpPr>
+          <p:nvPr>
+            <p:extLst>
+              <p:ext uri="{386F3935-93C4-4BCD-93E2-E3B085C9AB24}">
+                <p16:designElem xmlns:p16="http://schemas.microsoft.com/office/powerpoint/2015/main" val="1"/>
+              </p:ext>
+            </p:extLst>
+          </p:nvPr>
+        </p:nvSpPr>
+        <p:spPr>
+          <a:xfrm rot="5400000" flipH="1">
+            <a:off x="-1914814" y="1924949"/>
+            <a:ext cx="6857999" cy="3028379"/>
+          </a:xfrm>
+          <a:prstGeom prst="rect">
+            <a:avLst/>
+          </a:prstGeom>
+          <a:gradFill>
+            <a:gsLst>
+              <a:gs pos="0">
+                <a:srgbClr val="000000">
+                  <a:alpha val="0"/>
+                </a:srgbClr>
+              </a:gs>
+              <a:gs pos="99000">
+                <a:schemeClr val="accent1">
+                  <a:alpha val="46000"/>
+                </a:schemeClr>
+              </a:gs>
+            </a:gsLst>
+            <a:lin ang="1800000" scaled="0"/>
+          </a:gradFill>
+          <a:ln>
+            <a:noFill/>
+          </a:ln>
+        </p:spPr>
+        <p:style>
+          <a:lnRef idx="2">
+            <a:schemeClr val="accent1">
+              <a:shade val="50000"/>
+            </a:schemeClr>
+          </a:lnRef>
+          <a:fillRef idx="1">
+            <a:schemeClr val="accent1"/>
+          </a:fillRef>
+          <a:effectRef idx="0">
+            <a:schemeClr val="accent1"/>
+          </a:effectRef>
+          <a:fontRef idx="minor">
+            <a:schemeClr val="lt1"/>
+          </a:fontRef>
+        </p:style>
+        <p:txBody>
+          <a:bodyPr rtlCol="0" anchor="ctr"/>
+          <a:lstStyle/>
+          <a:p>
+            <a:pPr algn="ctr"/>
+            <a:endParaRPr lang="en-US"/>
+          </a:p>
+        </p:txBody>
+      </p:sp>
+      <p:sp>
+        <p:nvSpPr>
+          <p:cNvPr id="17" name="Rectangle 16">
+            <a:extLst>
+              <a:ext uri="{FF2B5EF4-FFF2-40B4-BE49-F238E27FC236}">
+                <a16:creationId xmlns:a16="http://schemas.microsoft.com/office/drawing/2014/main" id="{D2B78728-A580-49A7-84F9-6EF6F583ADE0}"/>
+              </a:ext>
+              <a:ext uri="{C183D7F6-B498-43B3-948B-1728B52AA6E4}">
+                <adec:decorative xmlns:adec="http://schemas.microsoft.com/office/drawing/2017/decorative" val="1"/>
+              </a:ext>
+            </a:extLst>
+          </p:cNvPr>
+          <p:cNvSpPr>
+            <a:spLocks noGrp="1" noRot="1" noChangeAspect="1" noMove="1" noResize="1" noEditPoints="1" noAdjustHandles="1" noChangeArrowheads="1" noChangeShapeType="1" noTextEdit="1"/>
+          </p:cNvSpPr>
+          <p:nvPr>
+            <p:extLst>
+              <p:ext uri="{386F3935-93C4-4BCD-93E2-E3B085C9AB24}">
+                <p16:designElem xmlns:p16="http://schemas.microsoft.com/office/powerpoint/2015/main" val="1"/>
+              </p:ext>
+            </p:extLst>
+          </p:nvPr>
+        </p:nvSpPr>
+        <p:spPr>
+          <a:xfrm rot="5400000" flipH="1">
+            <a:off x="263195" y="4092815"/>
+            <a:ext cx="2501979" cy="3028381"/>
+          </a:xfrm>
+          <a:prstGeom prst="rect">
+            <a:avLst/>
+          </a:prstGeom>
+          <a:gradFill>
+            <a:gsLst>
+              <a:gs pos="2000">
+                <a:schemeClr val="accent1">
+                  <a:alpha val="29000"/>
+                </a:schemeClr>
+              </a:gs>
+              <a:gs pos="100000">
+                <a:srgbClr val="000000">
+                  <a:alpha val="30000"/>
+                </a:srgbClr>
+              </a:gs>
+            </a:gsLst>
+            <a:lin ang="7800000" scaled="0"/>
+          </a:gradFill>
+          <a:ln>
+            <a:noFill/>
+          </a:ln>
+        </p:spPr>
+        <p:style>
+          <a:lnRef idx="2">
+            <a:schemeClr val="accent1">
+              <a:shade val="50000"/>
+            </a:schemeClr>
+          </a:lnRef>
+          <a:fillRef idx="1">
+            <a:schemeClr val="accent1"/>
+          </a:fillRef>
+          <a:effectRef idx="0">
+            <a:schemeClr val="accent1"/>
+          </a:effectRef>
+          <a:fontRef idx="minor">
+            <a:schemeClr val="lt1"/>
+          </a:fontRef>
+        </p:style>
+        <p:txBody>
+          <a:bodyPr rtlCol="0" anchor="ctr"/>
+          <a:lstStyle/>
+          <a:p>
+            <a:pPr algn="ctr"/>
+            <a:endParaRPr lang="en-US" dirty="0"/>
+          </a:p>
+        </p:txBody>
+      </p:sp>
+      <p:sp>
+        <p:nvSpPr>
+          <p:cNvPr id="19" name="Freeform: Shape 18">
+            <a:extLst>
+              <a:ext uri="{FF2B5EF4-FFF2-40B4-BE49-F238E27FC236}">
+                <a16:creationId xmlns:a16="http://schemas.microsoft.com/office/drawing/2014/main" id="{38FAA1A1-D861-433F-88FA-1E9D6FD31D11}"/>
+              </a:ext>
+              <a:ext uri="{C183D7F6-B498-43B3-948B-1728B52AA6E4}">
+                <adec:decorative xmlns:adec="http://schemas.microsoft.com/office/drawing/2017/decorative" val="1"/>
+              </a:ext>
+            </a:extLst>
+          </p:cNvPr>
+          <p:cNvSpPr>
+            <a:spLocks noGrp="1" noRot="1" noChangeAspect="1" noMove="1" noResize="1" noEditPoints="1" noAdjustHandles="1" noChangeArrowheads="1" noChangeShapeType="1" noTextEdit="1"/>
+          </p:cNvSpPr>
+          <p:nvPr>
+            <p:extLst>
+              <p:ext uri="{386F3935-93C4-4BCD-93E2-E3B085C9AB24}">
+                <p16:designElem xmlns:p16="http://schemas.microsoft.com/office/powerpoint/2015/main" val="1"/>
+              </p:ext>
+            </p:extLst>
+          </p:nvPr>
+        </p:nvSpPr>
+        <p:spPr>
+          <a:xfrm rot="20635413">
+            <a:off x="-376302" y="969718"/>
+            <a:ext cx="2925267" cy="4178958"/>
+          </a:xfrm>
+          <a:custGeom>
+            <a:avLst/>
+            <a:gdLst>
+              <a:gd name="connsiteX0" fmla="*/ 2432225 w 3900357"/>
+              <a:gd name="connsiteY0" fmla="*/ 93939 h 4178958"/>
+              <a:gd name="connsiteX1" fmla="*/ 3900357 w 3900357"/>
+              <a:gd name="connsiteY1" fmla="*/ 2089479 h 4178958"/>
+              <a:gd name="connsiteX2" fmla="*/ 1810878 w 3900357"/>
+              <a:gd name="connsiteY2" fmla="*/ 4178958 h 4178958"/>
+              <a:gd name="connsiteX3" fmla="*/ 78249 w 3900357"/>
+              <a:gd name="connsiteY3" fmla="*/ 3257727 h 4178958"/>
+              <a:gd name="connsiteX4" fmla="*/ 0 w 3900357"/>
+              <a:gd name="connsiteY4" fmla="*/ 3128923 h 4178958"/>
+              <a:gd name="connsiteX5" fmla="*/ 831324 w 3900357"/>
+              <a:gd name="connsiteY5" fmla="*/ 244281 h 4178958"/>
+              <a:gd name="connsiteX6" fmla="*/ 997559 w 3900357"/>
+              <a:gd name="connsiteY6" fmla="*/ 164202 h 4178958"/>
+              <a:gd name="connsiteX7" fmla="*/ 1810878 w 3900357"/>
+              <a:gd name="connsiteY7" fmla="*/ 0 h 4178958"/>
+              <a:gd name="connsiteX8" fmla="*/ 2432225 w 3900357"/>
+              <a:gd name="connsiteY8" fmla="*/ 93939 h 4178958"/>
+            </a:gdLst>
+            <a:ahLst/>
+            <a:cxnLst>
+              <a:cxn ang="0">
+                <a:pos x="connsiteX0" y="connsiteY0"/>
+              </a:cxn>
+              <a:cxn ang="0">
+                <a:pos x="connsiteX1" y="connsiteY1"/>
+              </a:cxn>
+              <a:cxn ang="0">
+                <a:pos x="connsiteX2" y="connsiteY2"/>
+              </a:cxn>
+              <a:cxn ang="0">
+                <a:pos x="connsiteX3" y="connsiteY3"/>
+              </a:cxn>
+              <a:cxn ang="0">
+                <a:pos x="connsiteX4" y="connsiteY4"/>
+              </a:cxn>
+              <a:cxn ang="0">
+                <a:pos x="connsiteX5" y="connsiteY5"/>
+              </a:cxn>
+              <a:cxn ang="0">
+                <a:pos x="connsiteX6" y="connsiteY6"/>
+              </a:cxn>
+              <a:cxn ang="0">
+                <a:pos x="connsiteX7" y="connsiteY7"/>
+              </a:cxn>
+              <a:cxn ang="0">
+                <a:pos x="connsiteX8" y="connsiteY8"/>
+              </a:cxn>
+            </a:cxnLst>
+            <a:rect l="l" t="t" r="r" b="b"/>
+            <a:pathLst>
+              <a:path w="3900357" h="4178958">
+                <a:moveTo>
+                  <a:pt x="2432225" y="93939"/>
+                </a:moveTo>
+                <a:cubicBezTo>
+                  <a:pt x="3282786" y="358491"/>
+                  <a:pt x="3900357" y="1151865"/>
+                  <a:pt x="3900357" y="2089479"/>
+                </a:cubicBezTo>
+                <a:cubicBezTo>
+                  <a:pt x="3900357" y="3243466"/>
+                  <a:pt x="2964865" y="4178958"/>
+                  <a:pt x="1810878" y="4178958"/>
+                </a:cubicBezTo>
+                <a:cubicBezTo>
+                  <a:pt x="1089636" y="4178958"/>
+                  <a:pt x="453744" y="3813531"/>
+                  <a:pt x="78249" y="3257727"/>
+                </a:cubicBezTo>
+                <a:lnTo>
+                  <a:pt x="0" y="3128923"/>
+                </a:lnTo>
+                <a:lnTo>
+                  <a:pt x="831324" y="244281"/>
+                </a:lnTo>
+                <a:lnTo>
+                  <a:pt x="997559" y="164202"/>
+                </a:lnTo>
+                <a:cubicBezTo>
+                  <a:pt x="1247540" y="58468"/>
+                  <a:pt x="1522381" y="0"/>
+                  <a:pt x="1810878" y="0"/>
+                </a:cubicBezTo>
+                <a:cubicBezTo>
+                  <a:pt x="2027251" y="0"/>
+                  <a:pt x="2235942" y="32888"/>
+                  <a:pt x="2432225" y="93939"/>
+                </a:cubicBezTo>
+                <a:close/>
+              </a:path>
+            </a:pathLst>
+          </a:custGeom>
+          <a:gradFill>
+            <a:gsLst>
+              <a:gs pos="29000">
+                <a:srgbClr val="000000">
+                  <a:alpha val="0"/>
+                </a:srgbClr>
+              </a:gs>
+              <a:gs pos="100000">
+                <a:schemeClr val="accent1">
+                  <a:alpha val="43000"/>
+                </a:schemeClr>
+              </a:gs>
+            </a:gsLst>
+            <a:lin ang="1800000" scaled="0"/>
+          </a:gradFill>
+          <a:ln>
+            <a:noFill/>
+          </a:ln>
+        </p:spPr>
+        <p:style>
+          <a:lnRef idx="2">
+            <a:schemeClr val="accent1">
+              <a:shade val="50000"/>
+            </a:schemeClr>
+          </a:lnRef>
+          <a:fillRef idx="1">
+            <a:schemeClr val="accent1"/>
+          </a:fillRef>
+          <a:effectRef idx="0">
+            <a:schemeClr val="accent1"/>
+          </a:effectRef>
+          <a:fontRef idx="minor">
+            <a:schemeClr val="lt1"/>
+          </a:fontRef>
+        </p:style>
+        <p:txBody>
+          <a:bodyPr wrap="square" rtlCol="0" anchor="ctr">
+            <a:noAutofit/>
+          </a:bodyPr>
+          <a:lstStyle/>
+          <a:p>
+            <a:pPr algn="ctr"/>
+            <a:endParaRPr lang="en-US" dirty="0"/>
+          </a:p>
+        </p:txBody>
+      </p:sp>
+      <p:sp>
+        <p:nvSpPr>
+          <p:cNvPr id="21" name="Rectangle 20">
+            <a:extLst>
+              <a:ext uri="{FF2B5EF4-FFF2-40B4-BE49-F238E27FC236}">
+                <a16:creationId xmlns:a16="http://schemas.microsoft.com/office/drawing/2014/main" id="{8D71EDA1-87BF-4D5D-AB79-F346FD19278A}"/>
+              </a:ext>
+              <a:ext uri="{C183D7F6-B498-43B3-948B-1728B52AA6E4}">
+                <adec:decorative xmlns:adec="http://schemas.microsoft.com/office/drawing/2017/decorative" val="1"/>
+              </a:ext>
+            </a:extLst>
+          </p:cNvPr>
+          <p:cNvSpPr>
+            <a:spLocks noGrp="1" noRot="1" noChangeAspect="1" noMove="1" noResize="1" noEditPoints="1" noAdjustHandles="1" noChangeArrowheads="1" noChangeShapeType="1" noTextEdit="1"/>
+          </p:cNvSpPr>
+          <p:nvPr>
+            <p:extLst>
+              <p:ext uri="{386F3935-93C4-4BCD-93E2-E3B085C9AB24}">
+                <p16:designElem xmlns:p16="http://schemas.microsoft.com/office/powerpoint/2015/main" val="1"/>
+              </p:ext>
+            </p:extLst>
+          </p:nvPr>
+        </p:nvSpPr>
+        <p:spPr>
+          <a:xfrm rot="5400000" flipH="1">
+            <a:off x="-1914820" y="1904672"/>
+            <a:ext cx="6858003" cy="3028376"/>
+          </a:xfrm>
+          <a:prstGeom prst="rect">
+            <a:avLst/>
+          </a:prstGeom>
+          <a:gradFill>
+            <a:gsLst>
+              <a:gs pos="0">
+                <a:srgbClr val="000000">
+                  <a:alpha val="0"/>
+                </a:srgbClr>
+              </a:gs>
+              <a:gs pos="99000">
+                <a:schemeClr val="accent1">
+                  <a:lumMod val="60000"/>
+                  <a:lumOff val="40000"/>
+                  <a:alpha val="11000"/>
+                </a:schemeClr>
+              </a:gs>
+            </a:gsLst>
+            <a:lin ang="7200000" scaled="0"/>
+          </a:gradFill>
+          <a:ln>
+            <a:noFill/>
+          </a:ln>
+        </p:spPr>
+        <p:style>
+          <a:lnRef idx="2">
+            <a:schemeClr val="accent1">
+              <a:shade val="50000"/>
+            </a:schemeClr>
+          </a:lnRef>
+          <a:fillRef idx="1">
+            <a:schemeClr val="accent1"/>
+          </a:fillRef>
+          <a:effectRef idx="0">
+            <a:schemeClr val="accent1"/>
+          </a:effectRef>
+          <a:fontRef idx="minor">
+            <a:schemeClr val="lt1"/>
+          </a:fontRef>
+        </p:style>
+        <p:txBody>
+          <a:bodyPr rtlCol="0" anchor="ctr"/>
+          <a:lstStyle/>
+          <a:p>
+            <a:pPr algn="ctr"/>
+            <a:endParaRPr lang="en-US"/>
+          </a:p>
+        </p:txBody>
+      </p:sp>
+      <p:sp>
+        <p:nvSpPr>
+          <p:cNvPr id="4" name="Title 3">
+            <a:extLst>
+              <a:ext uri="{FF2B5EF4-FFF2-40B4-BE49-F238E27FC236}">
+                <a16:creationId xmlns:a16="http://schemas.microsoft.com/office/drawing/2014/main" id="{8CE06CE4-080F-E09D-E626-66BA86EF84BE}"/>
+              </a:ext>
+            </a:extLst>
+          </p:cNvPr>
+          <p:cNvSpPr>
+            <a:spLocks noGrp="1"/>
+          </p:cNvSpPr>
+          <p:nvPr>
+            <p:ph type="title"/>
+          </p:nvPr>
+        </p:nvSpPr>
+        <p:spPr>
+          <a:xfrm>
+            <a:off x="1" y="586855"/>
+            <a:ext cx="2751066" cy="3387497"/>
+          </a:xfrm>
+        </p:spPr>
+        <p:txBody>
+          <a:bodyPr vert="horz" lIns="91440" tIns="45720" rIns="91440" bIns="45720" rtlCol="0" anchor="b">
+            <a:normAutofit/>
+          </a:bodyPr>
+          <a:lstStyle/>
+          <a:p>
+            <a:pPr algn="ctr" defTabSz="914400"/>
+            <a:r>
+              <a:rPr lang="en-US" sz="6000" dirty="0">
+                <a:effectLst/>
+                <a:latin typeface="Calibri" panose="020F0502020204030204" pitchFamily="34" charset="0"/>
+                <a:cs typeface="Calibri" panose="020F0502020204030204" pitchFamily="34" charset="0"/>
+              </a:rPr>
+              <a:t>Recap</a:t>
+            </a:r>
+            <a:endParaRPr lang="en-US" sz="6000" kern="1200" dirty="0">
+              <a:solidFill>
+                <a:srgbClr val="FFFFFF"/>
+              </a:solidFill>
+              <a:latin typeface="Calibri" panose="020F0502020204030204" pitchFamily="34" charset="0"/>
+              <a:cs typeface="Calibri" panose="020F0502020204030204" pitchFamily="34" charset="0"/>
+            </a:endParaRPr>
+          </a:p>
+        </p:txBody>
+      </p:sp>
+      <p:sp>
+        <p:nvSpPr>
+          <p:cNvPr id="3" name="TextBox 2">
+            <a:extLst>
+              <a:ext uri="{FF2B5EF4-FFF2-40B4-BE49-F238E27FC236}">
+                <a16:creationId xmlns:a16="http://schemas.microsoft.com/office/drawing/2014/main" id="{9E86E5BC-CAED-57DA-FC37-25DF3DE2A8E9}"/>
+              </a:ext>
+            </a:extLst>
+          </p:cNvPr>
+          <p:cNvSpPr txBox="1"/>
+          <p:nvPr/>
+        </p:nvSpPr>
+        <p:spPr>
+          <a:xfrm>
+            <a:off x="2338087" y="10134"/>
+            <a:ext cx="6678592" cy="6656884"/>
+          </a:xfrm>
+          <a:prstGeom prst="rect">
+            <a:avLst/>
+          </a:prstGeom>
+        </p:spPr>
+        <p:txBody>
+          <a:bodyPr vert="horz" lIns="91440" tIns="45720" rIns="91440" bIns="45720" rtlCol="0" anchor="ctr">
+            <a:normAutofit/>
+          </a:bodyPr>
+          <a:lstStyle/>
+          <a:p>
+            <a:pPr marL="914400" lvl="1" indent="-228600">
+              <a:spcAft>
+                <a:spcPts val="1050"/>
+              </a:spcAft>
+              <a:buSzPts val="1000"/>
+              <a:buFont typeface="Arial" panose="020B0604020202020204" pitchFamily="34" charset="0"/>
+              <a:buChar char="•"/>
+              <a:tabLst>
+                <a:tab pos="457200" algn="l"/>
+              </a:tabLst>
+            </a:pPr>
+            <a:r>
+              <a:rPr lang="en-US" sz="2600" dirty="0">
+                <a:latin typeface="Calibri" panose="020F0502020204030204" pitchFamily="34" charset="0"/>
+                <a:cs typeface="Calibri" panose="020F0502020204030204" pitchFamily="34" charset="0"/>
+              </a:rPr>
+              <a:t>Getting familiar with XAMPP </a:t>
+            </a:r>
+            <a:r>
+              <a:rPr lang="en-US" sz="2600" dirty="0">
+                <a:latin typeface="Calibri" panose="020F0502020204030204" pitchFamily="34" charset="0"/>
+                <a:cs typeface="Calibri" panose="020F0502020204030204" pitchFamily="34" charset="0"/>
+                <a:sym typeface="Wingdings" pitchFamily="2" charset="2"/>
+              </a:rPr>
+              <a:t> MySQL (Start &amp; Stop services)</a:t>
+            </a:r>
+          </a:p>
+          <a:p>
+            <a:pPr marL="914400" lvl="1" indent="-228600">
+              <a:spcAft>
+                <a:spcPts val="1050"/>
+              </a:spcAft>
+              <a:buSzPts val="1000"/>
+              <a:buFont typeface="Arial" panose="020B0604020202020204" pitchFamily="34" charset="0"/>
+              <a:buChar char="•"/>
+              <a:tabLst>
+                <a:tab pos="457200" algn="l"/>
+              </a:tabLst>
+            </a:pPr>
+            <a:endParaRPr lang="en-US" sz="2600" dirty="0">
+              <a:latin typeface="Calibri" panose="020F0502020204030204" pitchFamily="34" charset="0"/>
+              <a:cs typeface="Calibri" panose="020F0502020204030204" pitchFamily="34" charset="0"/>
+              <a:sym typeface="Wingdings" pitchFamily="2" charset="2"/>
+            </a:endParaRPr>
+          </a:p>
+          <a:p>
+            <a:pPr marL="914400" lvl="1" indent="-228600">
+              <a:spcAft>
+                <a:spcPts val="1050"/>
+              </a:spcAft>
+              <a:buSzPts val="1000"/>
+              <a:buFont typeface="Arial" panose="020B0604020202020204" pitchFamily="34" charset="0"/>
+              <a:buChar char="•"/>
+              <a:tabLst>
+                <a:tab pos="457200" algn="l"/>
+              </a:tabLst>
+            </a:pPr>
+            <a:r>
+              <a:rPr lang="en-US" sz="2600" dirty="0">
+                <a:latin typeface="Calibri" panose="020F0502020204030204" pitchFamily="34" charset="0"/>
+                <a:cs typeface="Calibri" panose="020F0502020204030204" pitchFamily="34" charset="0"/>
+                <a:sym typeface="Wingdings" pitchFamily="2" charset="2"/>
+              </a:rPr>
+              <a:t>Getting familiar with phpMyAdmin(MySQL) windows.</a:t>
+            </a:r>
+          </a:p>
+          <a:p>
+            <a:pPr marL="914400" lvl="1" indent="-228600">
+              <a:spcAft>
+                <a:spcPts val="1050"/>
+              </a:spcAft>
+              <a:buSzPts val="1000"/>
+              <a:buFont typeface="Arial" panose="020B0604020202020204" pitchFamily="34" charset="0"/>
+              <a:buChar char="•"/>
+              <a:tabLst>
+                <a:tab pos="457200" algn="l"/>
+              </a:tabLst>
+            </a:pPr>
+            <a:endParaRPr lang="en-US" sz="2600" dirty="0">
+              <a:latin typeface="Calibri" panose="020F0502020204030204" pitchFamily="34" charset="0"/>
+              <a:cs typeface="Calibri" panose="020F0502020204030204" pitchFamily="34" charset="0"/>
+              <a:sym typeface="Wingdings" pitchFamily="2" charset="2"/>
+            </a:endParaRPr>
+          </a:p>
+          <a:p>
+            <a:pPr marL="914400" lvl="1" indent="-228600">
+              <a:spcAft>
+                <a:spcPts val="1050"/>
+              </a:spcAft>
+              <a:buSzPts val="1000"/>
+              <a:buFont typeface="Arial" panose="020B0604020202020204" pitchFamily="34" charset="0"/>
+              <a:buChar char="•"/>
+              <a:tabLst>
+                <a:tab pos="457200" algn="l"/>
+              </a:tabLst>
+            </a:pPr>
+            <a:r>
+              <a:rPr lang="en-US" sz="2600" dirty="0">
+                <a:latin typeface="Calibri" panose="020F0502020204030204" pitchFamily="34" charset="0"/>
+                <a:cs typeface="Calibri" panose="020F0502020204030204" pitchFamily="34" charset="0"/>
+                <a:sym typeface="Wingdings" pitchFamily="2" charset="2"/>
+              </a:rPr>
+              <a:t>Creating/Selecting/Deleting database using Navigation as well as SQL statement.</a:t>
+            </a:r>
+          </a:p>
+          <a:p>
+            <a:pPr marL="914400" lvl="1" indent="-228600">
+              <a:spcAft>
+                <a:spcPts val="1050"/>
+              </a:spcAft>
+              <a:buSzPts val="1000"/>
+              <a:buFont typeface="Arial" panose="020B0604020202020204" pitchFamily="34" charset="0"/>
+              <a:buChar char="•"/>
+              <a:tabLst>
+                <a:tab pos="457200" algn="l"/>
+              </a:tabLst>
+            </a:pPr>
+            <a:endParaRPr lang="en-US" sz="2600" dirty="0">
+              <a:effectLst/>
+              <a:latin typeface="Calibri" panose="020F0502020204030204" pitchFamily="34" charset="0"/>
+              <a:cs typeface="Calibri" panose="020F0502020204030204" pitchFamily="34" charset="0"/>
+            </a:endParaRPr>
+          </a:p>
+        </p:txBody>
+      </p:sp>
+    </p:spTree>
+    <p:extLst>
+      <p:ext uri="{BB962C8B-B14F-4D97-AF65-F5344CB8AC3E}">
+        <p14:creationId xmlns:p14="http://schemas.microsoft.com/office/powerpoint/2010/main" val="419093323"/>
+      </p:ext>
+    </p:extLst>
+  </p:cSld>
+  <p:clrMapOvr>
+    <a:masterClrMapping/>
+  </p:clrMapOvr>
+</p:sld>
+</file>
+
+<file path=ppt/slides/slide52.xml><?xml version="1.0" encoding="utf-8"?>
+<p:sld xmlns:a="http://schemas.openxmlformats.org/drawingml/2006/main" xmlns:r="http://schemas.openxmlformats.org/officeDocument/2006/relationships" xmlns:p="http://schemas.openxmlformats.org/presentationml/2006/main">
+  <p:cSld>
+    <p:spTree>
+      <p:nvGrpSpPr>
+        <p:cNvPr id="1" name=""/>
+        <p:cNvGrpSpPr/>
+        <p:nvPr/>
+      </p:nvGrpSpPr>
+      <p:grpSpPr>
+        <a:xfrm>
+          <a:off x="0" y="0"/>
+          <a:ext cx="0" cy="0"/>
+          <a:chOff x="0" y="0"/>
+          <a:chExt cx="0" cy="0"/>
+        </a:xfrm>
+      </p:grpSpPr>
+      <p:sp>
+        <p:nvSpPr>
+          <p:cNvPr id="2" name="Title 1">
+            <a:extLst>
+              <a:ext uri="{FF2B5EF4-FFF2-40B4-BE49-F238E27FC236}">
+                <a16:creationId xmlns:a16="http://schemas.microsoft.com/office/drawing/2014/main" id="{81B6996A-0D75-A360-C8A4-E374BF2FC5F6}"/>
+              </a:ext>
+            </a:extLst>
+          </p:cNvPr>
+          <p:cNvSpPr>
+            <a:spLocks noGrp="1"/>
+          </p:cNvSpPr>
+          <p:nvPr>
+            <p:ph type="title"/>
+          </p:nvPr>
+        </p:nvSpPr>
+        <p:spPr>
+          <a:xfrm>
+            <a:off x="92597" y="694481"/>
+            <a:ext cx="4800600" cy="685800"/>
+          </a:xfrm>
+        </p:spPr>
+        <p:txBody>
+          <a:bodyPr/>
+          <a:lstStyle/>
+          <a:p>
+            <a:r>
+              <a:rPr lang="en-US" sz="3500" dirty="0">
+                <a:effectLst/>
+                <a:latin typeface="Calibri" panose="020F0502020204030204" pitchFamily="34" charset="0"/>
+                <a:ea typeface="Times New Roman" panose="02020603050405020304" pitchFamily="18" charset="0"/>
+                <a:cs typeface="Calibri" panose="020F0502020204030204" pitchFamily="34" charset="0"/>
+              </a:rPr>
+              <a:t>Exercises</a:t>
+            </a:r>
+            <a:endParaRPr lang="en-US" sz="3500" dirty="0">
+              <a:latin typeface="Calibri" panose="020F0502020204030204" pitchFamily="34" charset="0"/>
+              <a:cs typeface="Calibri" panose="020F0502020204030204" pitchFamily="34" charset="0"/>
+            </a:endParaRPr>
+          </a:p>
+        </p:txBody>
+      </p:sp>
+      <p:sp>
+        <p:nvSpPr>
+          <p:cNvPr id="6" name="TextBox 5">
+            <a:extLst>
+              <a:ext uri="{FF2B5EF4-FFF2-40B4-BE49-F238E27FC236}">
+                <a16:creationId xmlns:a16="http://schemas.microsoft.com/office/drawing/2014/main" id="{0332902A-8E43-BCC5-FE28-4A808A1DD8C3}"/>
+              </a:ext>
+            </a:extLst>
+          </p:cNvPr>
+          <p:cNvSpPr txBox="1"/>
+          <p:nvPr/>
+        </p:nvSpPr>
+        <p:spPr>
+          <a:xfrm>
+            <a:off x="92597" y="1507602"/>
+            <a:ext cx="9178725" cy="4221092"/>
+          </a:xfrm>
+          <a:prstGeom prst="rect">
+            <a:avLst/>
+          </a:prstGeom>
+          <a:noFill/>
+        </p:spPr>
+        <p:txBody>
+          <a:bodyPr wrap="square">
+            <a:spAutoFit/>
+          </a:bodyPr>
+          <a:lstStyle/>
+          <a:p>
+            <a:pPr lvl="0">
+              <a:lnSpc>
+                <a:spcPct val="107000"/>
+              </a:lnSpc>
+            </a:pPr>
+            <a:r>
+              <a:rPr lang="en-US" sz="2800" dirty="0">
+                <a:solidFill>
+                  <a:schemeClr val="bg1"/>
+                </a:solidFill>
+                <a:effectLst/>
+                <a:latin typeface="Calibri" panose="020F0502020204030204" pitchFamily="34" charset="0"/>
+                <a:ea typeface="Times New Roman" panose="02020603050405020304" pitchFamily="18" charset="0"/>
+                <a:cs typeface="Calibri" panose="020F0502020204030204" pitchFamily="34" charset="0"/>
+              </a:rPr>
+              <a:t>Create EMPLOYEE database using SQL </a:t>
+            </a:r>
+            <a:r>
+              <a:rPr lang="en-US" sz="2800" dirty="0">
+                <a:solidFill>
+                  <a:schemeClr val="bg1"/>
+                </a:solidFill>
+                <a:latin typeface="Calibri" panose="020F0502020204030204" pitchFamily="34" charset="0"/>
+                <a:ea typeface="Times New Roman" panose="02020603050405020304" pitchFamily="18" charset="0"/>
+                <a:cs typeface="Calibri" panose="020F0502020204030204" pitchFamily="34" charset="0"/>
+              </a:rPr>
+              <a:t>Statements/Command</a:t>
+            </a:r>
+            <a:r>
+              <a:rPr lang="en-US" sz="2800" dirty="0">
+                <a:solidFill>
+                  <a:schemeClr val="bg1"/>
+                </a:solidFill>
+                <a:effectLst/>
+                <a:latin typeface="Calibri" panose="020F0502020204030204" pitchFamily="34" charset="0"/>
+                <a:ea typeface="Times New Roman" panose="02020603050405020304" pitchFamily="18" charset="0"/>
+                <a:cs typeface="Calibri" panose="020F0502020204030204" pitchFamily="34" charset="0"/>
+              </a:rPr>
+              <a:t>, write all the commands in a notebook and then execute in SQL windows.</a:t>
+            </a:r>
+          </a:p>
+          <a:p>
+            <a:pPr lvl="0">
+              <a:lnSpc>
+                <a:spcPct val="107000"/>
+              </a:lnSpc>
+            </a:pPr>
+            <a:endParaRPr lang="en-IN" sz="2800" dirty="0">
+              <a:solidFill>
+                <a:schemeClr val="bg1"/>
+              </a:solidFill>
+              <a:effectLst/>
+              <a:latin typeface="Calibri" panose="020F0502020204030204" pitchFamily="34" charset="0"/>
+              <a:ea typeface="Calibri" panose="020F0502020204030204" pitchFamily="34" charset="0"/>
+              <a:cs typeface="Calibri" panose="020F0502020204030204" pitchFamily="34" charset="0"/>
+            </a:endParaRPr>
+          </a:p>
+          <a:p>
+            <a:pPr marL="800100" lvl="1" indent="-342900">
+              <a:lnSpc>
+                <a:spcPct val="107000"/>
+              </a:lnSpc>
+              <a:buFont typeface="+mj-lt"/>
+              <a:buAutoNum type="alphaLcPeriod"/>
+            </a:pPr>
+            <a:r>
+              <a:rPr lang="en-US" sz="2800" dirty="0">
+                <a:solidFill>
+                  <a:schemeClr val="bg1"/>
+                </a:solidFill>
+                <a:effectLst/>
+                <a:latin typeface="Calibri" panose="020F0502020204030204" pitchFamily="34" charset="0"/>
+                <a:ea typeface="Times New Roman" panose="02020603050405020304" pitchFamily="18" charset="0"/>
+                <a:cs typeface="Calibri" panose="020F0502020204030204" pitchFamily="34" charset="0"/>
+              </a:rPr>
+              <a:t>LIST ALL the Database available in MySQL</a:t>
+            </a:r>
+            <a:endParaRPr lang="en-IN" sz="2800" dirty="0">
+              <a:solidFill>
+                <a:schemeClr val="bg1"/>
+              </a:solidFill>
+              <a:latin typeface="Calibri" panose="020F0502020204030204" pitchFamily="34" charset="0"/>
+              <a:ea typeface="Times New Roman" panose="02020603050405020304" pitchFamily="18" charset="0"/>
+              <a:cs typeface="Calibri" panose="020F0502020204030204" pitchFamily="34" charset="0"/>
+            </a:endParaRPr>
+          </a:p>
+          <a:p>
+            <a:pPr marL="800100" lvl="1" indent="-342900">
+              <a:lnSpc>
+                <a:spcPct val="107000"/>
+              </a:lnSpc>
+              <a:buFont typeface="+mj-lt"/>
+              <a:buAutoNum type="alphaLcPeriod"/>
+            </a:pPr>
+            <a:r>
+              <a:rPr lang="en-US" sz="2800" dirty="0">
+                <a:solidFill>
+                  <a:schemeClr val="bg1"/>
+                </a:solidFill>
+                <a:effectLst/>
+                <a:latin typeface="Calibri" panose="020F0502020204030204" pitchFamily="34" charset="0"/>
+                <a:ea typeface="Times New Roman" panose="02020603050405020304" pitchFamily="18" charset="0"/>
+                <a:cs typeface="Calibri" panose="020F0502020204030204" pitchFamily="34" charset="0"/>
+              </a:rPr>
+              <a:t>CREATE EMPLOYEE statement</a:t>
+            </a:r>
+            <a:endParaRPr lang="en-IN" sz="2800" dirty="0">
+              <a:solidFill>
+                <a:schemeClr val="bg1"/>
+              </a:solidFill>
+              <a:latin typeface="Calibri" panose="020F0502020204030204" pitchFamily="34" charset="0"/>
+              <a:ea typeface="Times New Roman" panose="02020603050405020304" pitchFamily="18" charset="0"/>
+              <a:cs typeface="Calibri" panose="020F0502020204030204" pitchFamily="34" charset="0"/>
+            </a:endParaRPr>
+          </a:p>
+          <a:p>
+            <a:pPr marL="800100" lvl="1" indent="-342900">
+              <a:lnSpc>
+                <a:spcPct val="107000"/>
+              </a:lnSpc>
+              <a:buFont typeface="+mj-lt"/>
+              <a:buAutoNum type="alphaLcPeriod"/>
+            </a:pPr>
+            <a:r>
+              <a:rPr lang="en-US" sz="2800" dirty="0">
+                <a:solidFill>
+                  <a:schemeClr val="bg1"/>
+                </a:solidFill>
+                <a:effectLst/>
+                <a:latin typeface="Calibri" panose="020F0502020204030204" pitchFamily="34" charset="0"/>
+                <a:ea typeface="Times New Roman" panose="02020603050405020304" pitchFamily="18" charset="0"/>
+                <a:cs typeface="Calibri" panose="020F0502020204030204" pitchFamily="34" charset="0"/>
+              </a:rPr>
+              <a:t>LIST ALL Database available in MySQL</a:t>
+            </a:r>
+            <a:endParaRPr lang="en-IN" sz="2800" dirty="0">
+              <a:solidFill>
+                <a:schemeClr val="bg1"/>
+              </a:solidFill>
+              <a:latin typeface="Calibri" panose="020F0502020204030204" pitchFamily="34" charset="0"/>
+              <a:ea typeface="Times New Roman" panose="02020603050405020304" pitchFamily="18" charset="0"/>
+              <a:cs typeface="Calibri" panose="020F0502020204030204" pitchFamily="34" charset="0"/>
+            </a:endParaRPr>
+          </a:p>
+          <a:p>
+            <a:pPr marL="800100" lvl="1" indent="-342900">
+              <a:lnSpc>
+                <a:spcPct val="107000"/>
+              </a:lnSpc>
+              <a:buFont typeface="+mj-lt"/>
+              <a:buAutoNum type="alphaLcPeriod"/>
+            </a:pPr>
+            <a:r>
+              <a:rPr lang="en-US" sz="2800" dirty="0">
+                <a:solidFill>
+                  <a:schemeClr val="bg1"/>
+                </a:solidFill>
+                <a:effectLst/>
+                <a:latin typeface="Calibri" panose="020F0502020204030204" pitchFamily="34" charset="0"/>
+                <a:ea typeface="Times New Roman" panose="02020603050405020304" pitchFamily="18" charset="0"/>
+                <a:cs typeface="Calibri" panose="020F0502020204030204" pitchFamily="34" charset="0"/>
+              </a:rPr>
+              <a:t>USE EMPLOYEE statement</a:t>
+            </a:r>
+            <a:endParaRPr lang="en-IN" sz="2800" dirty="0">
+              <a:solidFill>
+                <a:schemeClr val="bg1"/>
+              </a:solidFill>
+              <a:latin typeface="Calibri" panose="020F0502020204030204" pitchFamily="34" charset="0"/>
+              <a:ea typeface="Times New Roman" panose="02020603050405020304" pitchFamily="18" charset="0"/>
+              <a:cs typeface="Calibri" panose="020F0502020204030204" pitchFamily="34" charset="0"/>
+            </a:endParaRPr>
+          </a:p>
+          <a:p>
+            <a:pPr marL="800100" lvl="1" indent="-342900">
+              <a:lnSpc>
+                <a:spcPct val="107000"/>
+              </a:lnSpc>
+              <a:buFont typeface="+mj-lt"/>
+              <a:buAutoNum type="alphaLcPeriod"/>
+            </a:pPr>
+            <a:r>
+              <a:rPr lang="en-US" sz="2800" dirty="0">
+                <a:solidFill>
+                  <a:schemeClr val="bg1"/>
+                </a:solidFill>
+                <a:effectLst/>
+                <a:latin typeface="Calibri" panose="020F0502020204030204" pitchFamily="34" charset="0"/>
+                <a:ea typeface="Times New Roman" panose="02020603050405020304" pitchFamily="18" charset="0"/>
+                <a:cs typeface="Calibri" panose="020F0502020204030204" pitchFamily="34" charset="0"/>
+              </a:rPr>
+              <a:t>LIST ALL TABLE present in EMPLOYEE database</a:t>
+            </a:r>
+          </a:p>
+        </p:txBody>
+      </p:sp>
+    </p:spTree>
+    <p:extLst>
+      <p:ext uri="{BB962C8B-B14F-4D97-AF65-F5344CB8AC3E}">
+        <p14:creationId xmlns:p14="http://schemas.microsoft.com/office/powerpoint/2010/main" val="1795271473"/>
+      </p:ext>
+    </p:extLst>
+  </p:cSld>
+  <p:clrMapOvr>
+    <a:masterClrMapping/>
+  </p:clrMapOvr>
+</p:sld>
+</file>
+
+<file path=ppt/slides/slide53.xml><?xml version="1.0" encoding="utf-8"?>
+<p:sld xmlns:a="http://schemas.openxmlformats.org/drawingml/2006/main" xmlns:r="http://schemas.openxmlformats.org/officeDocument/2006/relationships" xmlns:p="http://schemas.openxmlformats.org/presentationml/2006/main">
+  <p:cSld>
+    <p:spTree>
+      <p:nvGrpSpPr>
+        <p:cNvPr id="1" name=""/>
+        <p:cNvGrpSpPr/>
+        <p:nvPr/>
+      </p:nvGrpSpPr>
+      <p:grpSpPr>
+        <a:xfrm>
+          <a:off x="0" y="0"/>
+          <a:ext cx="0" cy="0"/>
+          <a:chOff x="0" y="0"/>
+          <a:chExt cx="0" cy="0"/>
+        </a:xfrm>
+      </p:grpSpPr>
+      <p:sp>
+        <p:nvSpPr>
+          <p:cNvPr id="2" name="Title 1">
+            <a:extLst>
+              <a:ext uri="{FF2B5EF4-FFF2-40B4-BE49-F238E27FC236}">
+                <a16:creationId xmlns:a16="http://schemas.microsoft.com/office/drawing/2014/main" id="{81B6996A-0D75-A360-C8A4-E374BF2FC5F6}"/>
+              </a:ext>
+            </a:extLst>
+          </p:cNvPr>
+          <p:cNvSpPr>
+            <a:spLocks noGrp="1"/>
+          </p:cNvSpPr>
+          <p:nvPr>
+            <p:ph type="title"/>
+          </p:nvPr>
+        </p:nvSpPr>
+        <p:spPr>
+          <a:xfrm>
+            <a:off x="92597" y="694481"/>
+            <a:ext cx="4800600" cy="685800"/>
+          </a:xfrm>
+        </p:spPr>
+        <p:txBody>
+          <a:bodyPr/>
+          <a:lstStyle/>
+          <a:p>
+            <a:r>
+              <a:rPr lang="en-US" sz="3500" dirty="0">
+                <a:effectLst/>
+                <a:latin typeface="Calibri" panose="020F0502020204030204" pitchFamily="34" charset="0"/>
+                <a:ea typeface="Times New Roman" panose="02020603050405020304" pitchFamily="18" charset="0"/>
+                <a:cs typeface="Calibri" panose="020F0502020204030204" pitchFamily="34" charset="0"/>
+              </a:rPr>
+              <a:t>Exercises</a:t>
+            </a:r>
+            <a:endParaRPr lang="en-US" sz="3500" dirty="0">
+              <a:latin typeface="Calibri" panose="020F0502020204030204" pitchFamily="34" charset="0"/>
+              <a:cs typeface="Calibri" panose="020F0502020204030204" pitchFamily="34" charset="0"/>
+            </a:endParaRPr>
+          </a:p>
+        </p:txBody>
+      </p:sp>
+      <p:sp>
+        <p:nvSpPr>
+          <p:cNvPr id="6" name="TextBox 5">
+            <a:extLst>
+              <a:ext uri="{FF2B5EF4-FFF2-40B4-BE49-F238E27FC236}">
+                <a16:creationId xmlns:a16="http://schemas.microsoft.com/office/drawing/2014/main" id="{0332902A-8E43-BCC5-FE28-4A808A1DD8C3}"/>
+              </a:ext>
+            </a:extLst>
+          </p:cNvPr>
+          <p:cNvSpPr txBox="1"/>
+          <p:nvPr/>
+        </p:nvSpPr>
+        <p:spPr>
+          <a:xfrm>
+            <a:off x="92598" y="1380281"/>
+            <a:ext cx="8599990" cy="3299045"/>
+          </a:xfrm>
+          <a:prstGeom prst="rect">
+            <a:avLst/>
+          </a:prstGeom>
+          <a:noFill/>
+        </p:spPr>
+        <p:txBody>
+          <a:bodyPr wrap="square">
+            <a:spAutoFit/>
+          </a:bodyPr>
+          <a:lstStyle/>
+          <a:p>
+            <a:pPr lvl="0">
+              <a:lnSpc>
+                <a:spcPct val="107000"/>
+              </a:lnSpc>
+            </a:pPr>
+            <a:r>
+              <a:rPr lang="en-US" sz="2800" dirty="0">
+                <a:solidFill>
+                  <a:schemeClr val="bg1"/>
+                </a:solidFill>
+                <a:effectLst/>
+                <a:latin typeface="Calibri" panose="020F0502020204030204" pitchFamily="34" charset="0"/>
+                <a:ea typeface="Times New Roman" panose="02020603050405020304" pitchFamily="18" charset="0"/>
+                <a:cs typeface="Calibri" panose="020F0502020204030204" pitchFamily="34" charset="0"/>
+              </a:rPr>
+              <a:t>Create MOVIE database using phpMyAdmin Navigation bar, create document file and copy paste the screenshot for each point.</a:t>
+            </a:r>
+          </a:p>
+          <a:p>
+            <a:pPr lvl="0">
+              <a:lnSpc>
+                <a:spcPct val="107000"/>
+              </a:lnSpc>
+            </a:pPr>
+            <a:endParaRPr lang="en-IN" sz="2800" dirty="0">
+              <a:solidFill>
+                <a:schemeClr val="bg1"/>
+              </a:solidFill>
+              <a:effectLst/>
+              <a:latin typeface="Calibri" panose="020F0502020204030204" pitchFamily="34" charset="0"/>
+              <a:ea typeface="Calibri" panose="020F0502020204030204" pitchFamily="34" charset="0"/>
+              <a:cs typeface="Calibri" panose="020F0502020204030204" pitchFamily="34" charset="0"/>
+            </a:endParaRPr>
+          </a:p>
+          <a:p>
+            <a:pPr marL="800100" lvl="1" indent="-342900">
+              <a:lnSpc>
+                <a:spcPct val="107000"/>
+              </a:lnSpc>
+              <a:buFont typeface="+mj-lt"/>
+              <a:buAutoNum type="alphaLcPeriod"/>
+            </a:pPr>
+            <a:r>
+              <a:rPr lang="en-US" sz="2800" dirty="0">
+                <a:solidFill>
+                  <a:schemeClr val="bg1"/>
+                </a:solidFill>
+                <a:effectLst/>
+                <a:latin typeface="Calibri" panose="020F0502020204030204" pitchFamily="34" charset="0"/>
+                <a:ea typeface="Times New Roman" panose="02020603050405020304" pitchFamily="18" charset="0"/>
+                <a:cs typeface="Calibri" panose="020F0502020204030204" pitchFamily="34" charset="0"/>
+              </a:rPr>
+              <a:t>CREATE MOVIE database</a:t>
+            </a:r>
+            <a:endParaRPr lang="en-IN" sz="2800" dirty="0">
+              <a:solidFill>
+                <a:schemeClr val="bg1"/>
+              </a:solidFill>
+              <a:effectLst/>
+              <a:latin typeface="Calibri" panose="020F0502020204030204" pitchFamily="34" charset="0"/>
+              <a:ea typeface="Calibri" panose="020F0502020204030204" pitchFamily="34" charset="0"/>
+              <a:cs typeface="Calibri" panose="020F0502020204030204" pitchFamily="34" charset="0"/>
+            </a:endParaRPr>
+          </a:p>
+          <a:p>
+            <a:pPr marL="800100" lvl="1" indent="-342900">
+              <a:lnSpc>
+                <a:spcPct val="107000"/>
+              </a:lnSpc>
+              <a:buFont typeface="+mj-lt"/>
+              <a:buAutoNum type="alphaLcPeriod"/>
+            </a:pPr>
+            <a:r>
+              <a:rPr lang="en-US" sz="2800" dirty="0">
+                <a:solidFill>
+                  <a:schemeClr val="bg1"/>
+                </a:solidFill>
+                <a:effectLst/>
+                <a:latin typeface="Calibri" panose="020F0502020204030204" pitchFamily="34" charset="0"/>
+                <a:ea typeface="Times New Roman" panose="02020603050405020304" pitchFamily="18" charset="0"/>
+                <a:cs typeface="Calibri" panose="020F0502020204030204" pitchFamily="34" charset="0"/>
+              </a:rPr>
+              <a:t>SELECT MOVIE database </a:t>
+            </a:r>
+            <a:endParaRPr lang="en-IN" sz="2800" dirty="0">
+              <a:solidFill>
+                <a:schemeClr val="bg1"/>
+              </a:solidFill>
+              <a:effectLst/>
+              <a:latin typeface="Calibri" panose="020F0502020204030204" pitchFamily="34" charset="0"/>
+              <a:ea typeface="Calibri" panose="020F0502020204030204" pitchFamily="34" charset="0"/>
+              <a:cs typeface="Calibri" panose="020F0502020204030204" pitchFamily="34" charset="0"/>
+            </a:endParaRPr>
+          </a:p>
+          <a:p>
+            <a:pPr marL="800100" lvl="1" indent="-342900">
+              <a:lnSpc>
+                <a:spcPct val="107000"/>
+              </a:lnSpc>
+              <a:spcAft>
+                <a:spcPts val="800"/>
+              </a:spcAft>
+              <a:buFont typeface="+mj-lt"/>
+              <a:buAutoNum type="alphaLcPeriod"/>
+            </a:pPr>
+            <a:r>
+              <a:rPr lang="en-US" sz="2800" dirty="0">
+                <a:solidFill>
+                  <a:schemeClr val="bg1"/>
+                </a:solidFill>
+                <a:effectLst/>
+                <a:latin typeface="Calibri" panose="020F0502020204030204" pitchFamily="34" charset="0"/>
+                <a:ea typeface="Times New Roman" panose="02020603050405020304" pitchFamily="18" charset="0"/>
+                <a:cs typeface="Calibri" panose="020F0502020204030204" pitchFamily="34" charset="0"/>
+              </a:rPr>
+              <a:t>Check are there any tables for MOVIE database</a:t>
+            </a:r>
+            <a:endParaRPr lang="en-IN" sz="2800" dirty="0">
+              <a:solidFill>
+                <a:schemeClr val="bg1"/>
+              </a:solidFill>
+              <a:effectLst/>
+              <a:latin typeface="Calibri" panose="020F0502020204030204" pitchFamily="34" charset="0"/>
+              <a:ea typeface="Calibri" panose="020F0502020204030204" pitchFamily="34" charset="0"/>
+              <a:cs typeface="Calibri" panose="020F0502020204030204" pitchFamily="34" charset="0"/>
+            </a:endParaRPr>
+          </a:p>
+        </p:txBody>
+      </p:sp>
+    </p:spTree>
+    <p:extLst>
+      <p:ext uri="{BB962C8B-B14F-4D97-AF65-F5344CB8AC3E}">
+        <p14:creationId xmlns:p14="http://schemas.microsoft.com/office/powerpoint/2010/main" val="2630303124"/>
       </p:ext>
     </p:extLst>
   </p:cSld>
@@ -35771,6 +39756,24 @@
 </file>
 
 <file path=customXml/item1.xml><?xml version="1.0" encoding="utf-8"?>
+<?mso-contentType ?>
+<FormTemplates xmlns="http://schemas.microsoft.com/sharepoint/v3/contenttype/forms">
+  <Display>DocumentLibraryForm</Display>
+  <Edit>DocumentLibraryForm</Edit>
+  <New>DocumentLibraryForm</New>
+</FormTemplates>
+</file>
+
+<file path=customXml/item2.xml><?xml version="1.0" encoding="utf-8"?>
+<p:properties xmlns:p="http://schemas.microsoft.com/office/2006/metadata/properties" xmlns:xsi="http://www.w3.org/2001/XMLSchema-instance" xmlns:pc="http://schemas.microsoft.com/office/infopath/2007/PartnerControls">
+  <documentManagement>
+    <Status xmlns="71af3243-3dd4-4a8d-8c0d-dd76da1f02a5">Not started</Status>
+    <MediaServiceKeyPoints xmlns="71af3243-3dd4-4a8d-8c0d-dd76da1f02a5" xsi:nil="true"/>
+  </documentManagement>
+</p:properties>
+</file>
+
+<file path=customXml/item3.xml><?xml version="1.0" encoding="utf-8"?>
 <ct:contentTypeSchema xmlns:ct="http://schemas.microsoft.com/office/2006/metadata/contentType" xmlns:ma="http://schemas.microsoft.com/office/2006/metadata/properties/metaAttributes" ct:_="" ma:_="" ma:contentTypeName="Document" ma:contentTypeID="0x01010079F111ED35F8CC479449609E8A0923A6" ma:contentTypeVersion="12" ma:contentTypeDescription="Create a new document." ma:contentTypeScope="" ma:versionID="426e97fa315356fffbdcd9876fe988c2">
   <xsd:schema xmlns:xsd="http://www.w3.org/2001/XMLSchema" xmlns:xs="http://www.w3.org/2001/XMLSchema" xmlns:p="http://schemas.microsoft.com/office/2006/metadata/properties" xmlns:ns2="71af3243-3dd4-4a8d-8c0d-dd76da1f02a5" xmlns:ns3="16c05727-aa75-4e4a-9b5f-8a80a1165891" targetNamespace="http://schemas.microsoft.com/office/2006/metadata/properties" ma:root="true" ma:fieldsID="14b8f0def80e6d70ce3def20c90759ae" ns2:_="" ns3:_="">
     <xsd:import namespace="71af3243-3dd4-4a8d-8c0d-dd76da1f02a5"/>
@@ -35991,25 +39994,25 @@
 </ct:contentTypeSchema>
 </file>
 
-<file path=customXml/item2.xml><?xml version="1.0" encoding="utf-8"?>
-<?mso-contentType ?>
-<FormTemplates xmlns="http://schemas.microsoft.com/sharepoint/v3/contenttype/forms">
-  <Display>DocumentLibraryForm</Display>
-  <Edit>DocumentLibraryForm</Edit>
-  <New>DocumentLibraryForm</New>
-</FormTemplates>
+<file path=customXml/itemProps1.xml><?xml version="1.0" encoding="utf-8"?>
+<ds:datastoreItem xmlns:ds="http://schemas.openxmlformats.org/officeDocument/2006/customXml" ds:itemID="{28431A9B-4B87-4F2F-AB9E-CAE6A6729B86}">
+  <ds:schemaRefs>
+    <ds:schemaRef ds:uri="http://schemas.microsoft.com/sharepoint/v3/contenttype/forms"/>
+  </ds:schemaRefs>
+</ds:datastoreItem>
 </file>
 
-<file path=customXml/item3.xml><?xml version="1.0" encoding="utf-8"?>
-<p:properties xmlns:p="http://schemas.microsoft.com/office/2006/metadata/properties" xmlns:xsi="http://www.w3.org/2001/XMLSchema-instance" xmlns:pc="http://schemas.microsoft.com/office/infopath/2007/PartnerControls">
-  <documentManagement>
-    <Status xmlns="71af3243-3dd4-4a8d-8c0d-dd76da1f02a5">Not started</Status>
-    <MediaServiceKeyPoints xmlns="71af3243-3dd4-4a8d-8c0d-dd76da1f02a5" xsi:nil="true"/>
-  </documentManagement>
-</p:properties>
+<file path=customXml/itemProps2.xml><?xml version="1.0" encoding="utf-8"?>
+<ds:datastoreItem xmlns:ds="http://schemas.openxmlformats.org/officeDocument/2006/customXml" ds:itemID="{984EED2D-C894-47C4-9CDD-55EC03B2713B}">
+  <ds:schemaRefs>
+    <ds:schemaRef ds:uri="http://schemas.microsoft.com/office/2006/metadata/properties"/>
+    <ds:schemaRef ds:uri="http://schemas.microsoft.com/office/infopath/2007/PartnerControls"/>
+    <ds:schemaRef ds:uri="71af3243-3dd4-4a8d-8c0d-dd76da1f02a5"/>
+  </ds:schemaRefs>
+</ds:datastoreItem>
 </file>
 
-<file path=customXml/itemProps1.xml><?xml version="1.0" encoding="utf-8"?>
+<file path=customXml/itemProps3.xml><?xml version="1.0" encoding="utf-8"?>
 <ds:datastoreItem xmlns:ds="http://schemas.openxmlformats.org/officeDocument/2006/customXml" ds:itemID="{60F07EB6-DDE3-49D2-9047-A171C0D29C2B}">
   <ds:schemaRefs>
     <ds:schemaRef ds:uri="http://schemas.microsoft.com/office/2006/metadata/contentType"/>
@@ -36028,20 +40031,8 @@
 </ds:datastoreItem>
 </file>
 
-<file path=customXml/itemProps2.xml><?xml version="1.0" encoding="utf-8"?>
-<ds:datastoreItem xmlns:ds="http://schemas.openxmlformats.org/officeDocument/2006/customXml" ds:itemID="{28431A9B-4B87-4F2F-AB9E-CAE6A6729B86}">
-  <ds:schemaRefs>
-    <ds:schemaRef ds:uri="http://schemas.microsoft.com/sharepoint/v3/contenttype/forms"/>
-  </ds:schemaRefs>
-</ds:datastoreItem>
-</file>
-
-<file path=customXml/itemProps3.xml><?xml version="1.0" encoding="utf-8"?>
-<ds:datastoreItem xmlns:ds="http://schemas.openxmlformats.org/officeDocument/2006/customXml" ds:itemID="{984EED2D-C894-47C4-9CDD-55EC03B2713B}">
-  <ds:schemaRefs>
-    <ds:schemaRef ds:uri="http://schemas.microsoft.com/office/2006/metadata/properties"/>
-    <ds:schemaRef ds:uri="http://schemas.microsoft.com/office/infopath/2007/PartnerControls"/>
-    <ds:schemaRef ds:uri="71af3243-3dd4-4a8d-8c0d-dd76da1f02a5"/>
-  </ds:schemaRefs>
-</ds:datastoreItem>
+<file path=docMetadata/LabelInfo.xml><?xml version="1.0" encoding="utf-8"?>
+<clbl:labelList xmlns:clbl="http://schemas.microsoft.com/office/2020/mipLabelMetadata">
+  <clbl:label id="{d0cb1e24-a0e2-4a4c-9340-733297c9cd7c}" enabled="1" method="Privileged" siteId="{db1e96a8-a3da-442a-930b-235cac24cd5c}" contentBits="0" removed="0"/>
+</clbl:labelList>
 </file>